--- a/Latex_template.pptx
+++ b/Latex_template.pptx
@@ -7,18 +7,20 @@
   <p:sldIdLst>
     <p:sldId id="256" r:id="rId2"/>
     <p:sldId id="257" r:id="rId3"/>
-    <p:sldId id="259" r:id="rId4"/>
-    <p:sldId id="262" r:id="rId5"/>
-    <p:sldId id="271" r:id="rId6"/>
-    <p:sldId id="270" r:id="rId7"/>
-    <p:sldId id="268" r:id="rId8"/>
-    <p:sldId id="264" r:id="rId9"/>
-    <p:sldId id="265" r:id="rId10"/>
-    <p:sldId id="266" r:id="rId11"/>
-    <p:sldId id="267" r:id="rId12"/>
-    <p:sldId id="272" r:id="rId13"/>
-    <p:sldId id="273" r:id="rId14"/>
-    <p:sldId id="274" r:id="rId15"/>
+    <p:sldId id="275" r:id="rId4"/>
+    <p:sldId id="276" r:id="rId5"/>
+    <p:sldId id="259" r:id="rId6"/>
+    <p:sldId id="262" r:id="rId7"/>
+    <p:sldId id="271" r:id="rId8"/>
+    <p:sldId id="270" r:id="rId9"/>
+    <p:sldId id="268" r:id="rId10"/>
+    <p:sldId id="264" r:id="rId11"/>
+    <p:sldId id="265" r:id="rId12"/>
+    <p:sldId id="266" r:id="rId13"/>
+    <p:sldId id="267" r:id="rId14"/>
+    <p:sldId id="272" r:id="rId15"/>
+    <p:sldId id="273" r:id="rId16"/>
+    <p:sldId id="274" r:id="rId17"/>
   </p:sldIdLst>
   <p:sldSz cx="12192000" cy="6858000"/>
   <p:notesSz cx="6858000" cy="9144000"/>
@@ -3235,6 +3237,409 @@
         </p:nvSpPr>
         <p:spPr>
           <a:xfrm>
+            <a:off x="1476376" y="171450"/>
+            <a:ext cx="9982200" cy="584775"/>
+          </a:xfrm>
+          <a:prstGeom prst="rect">
+            <a:avLst/>
+          </a:prstGeom>
+        </p:spPr>
+        <p:txBody>
+          <a:bodyPr wrap="square">
+            <a:spAutoFit/>
+          </a:bodyPr>
+          <a:lstStyle/>
+          <a:p>
+            <a:r>
+              <a:rPr lang="en-US" sz="3200" b="1" dirty="0"/>
+              <a:t>Including title, author and date information</a:t>
+            </a:r>
+          </a:p>
+        </p:txBody>
+      </p:sp>
+      <p:sp>
+        <p:nvSpPr>
+          <p:cNvPr id="3" name="Rectangle 2"/>
+          <p:cNvSpPr/>
+          <p:nvPr/>
+        </p:nvSpPr>
+        <p:spPr>
+          <a:xfrm>
+            <a:off x="438150" y="868740"/>
+            <a:ext cx="11563349" cy="4154984"/>
+          </a:xfrm>
+          <a:prstGeom prst="rect">
+            <a:avLst/>
+          </a:prstGeom>
+        </p:spPr>
+        <p:txBody>
+          <a:bodyPr wrap="square">
+            <a:spAutoFit/>
+          </a:bodyPr>
+          <a:lstStyle/>
+          <a:p>
+            <a:r>
+              <a:rPr lang="en-US" sz="2400" dirty="0">
+                <a:latin typeface="Times New Roman" panose="02020603050405020304" pitchFamily="18" charset="0"/>
+                <a:cs typeface="Times New Roman" panose="02020603050405020304" pitchFamily="18" charset="0"/>
+              </a:rPr>
+              <a:t>\title{My first </a:t>
+            </a:r>
+            <a:r>
+              <a:rPr lang="en-US" sz="2400" dirty="0" err="1">
+                <a:latin typeface="Times New Roman" panose="02020603050405020304" pitchFamily="18" charset="0"/>
+                <a:cs typeface="Times New Roman" panose="02020603050405020304" pitchFamily="18" charset="0"/>
+              </a:rPr>
+              <a:t>LaTeX</a:t>
+            </a:r>
+            <a:r>
+              <a:rPr lang="en-US" sz="2400" dirty="0">
+                <a:latin typeface="Times New Roman" panose="02020603050405020304" pitchFamily="18" charset="0"/>
+                <a:cs typeface="Times New Roman" panose="02020603050405020304" pitchFamily="18" charset="0"/>
+              </a:rPr>
+              <a:t> document}: the document </a:t>
+            </a:r>
+            <a:r>
+              <a:rPr lang="en-US" sz="2400" dirty="0" smtClean="0">
+                <a:latin typeface="Times New Roman" panose="02020603050405020304" pitchFamily="18" charset="0"/>
+                <a:cs typeface="Times New Roman" panose="02020603050405020304" pitchFamily="18" charset="0"/>
+              </a:rPr>
+              <a:t>title</a:t>
+            </a:r>
+          </a:p>
+          <a:p>
+            <a:endParaRPr lang="en-US" sz="2400" dirty="0">
+              <a:latin typeface="Times New Roman" panose="02020603050405020304" pitchFamily="18" charset="0"/>
+              <a:cs typeface="Times New Roman" panose="02020603050405020304" pitchFamily="18" charset="0"/>
+            </a:endParaRPr>
+          </a:p>
+          <a:p>
+            <a:r>
+              <a:rPr lang="en-US" sz="2400" dirty="0">
+                <a:latin typeface="Times New Roman" panose="02020603050405020304" pitchFamily="18" charset="0"/>
+                <a:cs typeface="Times New Roman" panose="02020603050405020304" pitchFamily="18" charset="0"/>
+              </a:rPr>
+              <a:t>\author{Hubert Farnsworth}: here you write the name of the author(s) and, optionally, the \thanks command within the curly braces</a:t>
+            </a:r>
+            <a:r>
+              <a:rPr lang="en-US" sz="2400" dirty="0" smtClean="0">
+                <a:latin typeface="Times New Roman" panose="02020603050405020304" pitchFamily="18" charset="0"/>
+                <a:cs typeface="Times New Roman" panose="02020603050405020304" pitchFamily="18" charset="0"/>
+              </a:rPr>
+              <a:t>:</a:t>
+            </a:r>
+          </a:p>
+          <a:p>
+            <a:endParaRPr lang="en-US" sz="2400" dirty="0">
+              <a:latin typeface="Times New Roman" panose="02020603050405020304" pitchFamily="18" charset="0"/>
+              <a:cs typeface="Times New Roman" panose="02020603050405020304" pitchFamily="18" charset="0"/>
+            </a:endParaRPr>
+          </a:p>
+          <a:p>
+            <a:r>
+              <a:rPr lang="en-US" sz="2400" dirty="0">
+                <a:latin typeface="Times New Roman" panose="02020603050405020304" pitchFamily="18" charset="0"/>
+                <a:cs typeface="Times New Roman" panose="02020603050405020304" pitchFamily="18" charset="0"/>
+              </a:rPr>
+              <a:t>\thanks{Funded by the Overleaf team.}: can be added after the name of the author, inside the braces of the author command. It will add a superscript and a footnote with the text inside the braces. Useful if you need to thank an institution in your article</a:t>
+            </a:r>
+            <a:r>
+              <a:rPr lang="en-US" sz="2400" dirty="0" smtClean="0">
+                <a:latin typeface="Times New Roman" panose="02020603050405020304" pitchFamily="18" charset="0"/>
+                <a:cs typeface="Times New Roman" panose="02020603050405020304" pitchFamily="18" charset="0"/>
+              </a:rPr>
+              <a:t>.</a:t>
+            </a:r>
+          </a:p>
+          <a:p>
+            <a:endParaRPr lang="en-US" sz="2400" dirty="0">
+              <a:latin typeface="Times New Roman" panose="02020603050405020304" pitchFamily="18" charset="0"/>
+              <a:cs typeface="Times New Roman" panose="02020603050405020304" pitchFamily="18" charset="0"/>
+            </a:endParaRPr>
+          </a:p>
+          <a:p>
+            <a:r>
+              <a:rPr lang="en-US" sz="2400" dirty="0">
+                <a:latin typeface="Times New Roman" panose="02020603050405020304" pitchFamily="18" charset="0"/>
+                <a:cs typeface="Times New Roman" panose="02020603050405020304" pitchFamily="18" charset="0"/>
+              </a:rPr>
+              <a:t>\date{August 2022}: you can enter the date manually or use the command \today to typeset the current date every time the document is compiled</a:t>
+            </a:r>
+            <a:endParaRPr lang="en-IN" sz="2400" dirty="0">
+              <a:latin typeface="Times New Roman" panose="02020603050405020304" pitchFamily="18" charset="0"/>
+              <a:cs typeface="Times New Roman" panose="02020603050405020304" pitchFamily="18" charset="0"/>
+            </a:endParaRPr>
+          </a:p>
+        </p:txBody>
+      </p:sp>
+    </p:spTree>
+    <p:extLst>
+      <p:ext uri="{BB962C8B-B14F-4D97-AF65-F5344CB8AC3E}">
+        <p14:creationId xmlns:p14="http://schemas.microsoft.com/office/powerpoint/2010/main" val="3800997776"/>
+      </p:ext>
+    </p:extLst>
+  </p:cSld>
+  <p:clrMapOvr>
+    <a:masterClrMapping/>
+  </p:clrMapOvr>
+</p:sld>
+</file>
+
+<file path=ppt/slides/slide11.xml><?xml version="1.0" encoding="utf-8"?>
+<p:sld xmlns:a="http://schemas.openxmlformats.org/drawingml/2006/main" xmlns:r="http://schemas.openxmlformats.org/officeDocument/2006/relationships" xmlns:p="http://schemas.openxmlformats.org/presentationml/2006/main">
+  <p:cSld>
+    <p:spTree>
+      <p:nvGrpSpPr>
+        <p:cNvPr id="1" name=""/>
+        <p:cNvGrpSpPr/>
+        <p:nvPr/>
+      </p:nvGrpSpPr>
+      <p:grpSpPr>
+        <a:xfrm>
+          <a:off x="0" y="0"/>
+          <a:ext cx="0" cy="0"/>
+          <a:chOff x="0" y="0"/>
+          <a:chExt cx="0" cy="0"/>
+        </a:xfrm>
+      </p:grpSpPr>
+      <p:sp>
+        <p:nvSpPr>
+          <p:cNvPr id="3" name="Rectangle 2"/>
+          <p:cNvSpPr/>
+          <p:nvPr/>
+        </p:nvSpPr>
+        <p:spPr>
+          <a:xfrm>
+            <a:off x="657224" y="1356836"/>
+            <a:ext cx="8467725" cy="2308324"/>
+          </a:xfrm>
+          <a:prstGeom prst="rect">
+            <a:avLst/>
+          </a:prstGeom>
+        </p:spPr>
+        <p:txBody>
+          <a:bodyPr wrap="square">
+            <a:spAutoFit/>
+          </a:bodyPr>
+          <a:lstStyle/>
+          <a:p>
+            <a:pPr>
+              <a:lnSpc>
+                <a:spcPct val="150000"/>
+              </a:lnSpc>
+            </a:pPr>
+            <a:r>
+              <a:rPr lang="en-IN" sz="2400" dirty="0">
+                <a:latin typeface="Times New Roman" panose="02020603050405020304" pitchFamily="18" charset="0"/>
+                <a:cs typeface="Times New Roman" panose="02020603050405020304" pitchFamily="18" charset="0"/>
+              </a:rPr>
+              <a:t>\</a:t>
+            </a:r>
+            <a:r>
+              <a:rPr lang="en-IN" sz="2400" dirty="0" err="1">
+                <a:latin typeface="Times New Roman" panose="02020603050405020304" pitchFamily="18" charset="0"/>
+                <a:cs typeface="Times New Roman" panose="02020603050405020304" pitchFamily="18" charset="0"/>
+              </a:rPr>
+              <a:t>documentclass</a:t>
+            </a:r>
+            <a:r>
+              <a:rPr lang="en-IN" sz="2400" dirty="0">
+                <a:latin typeface="Times New Roman" panose="02020603050405020304" pitchFamily="18" charset="0"/>
+                <a:cs typeface="Times New Roman" panose="02020603050405020304" pitchFamily="18" charset="0"/>
+              </a:rPr>
+              <a:t>[12pt, </a:t>
+            </a:r>
+            <a:r>
+              <a:rPr lang="en-IN" sz="2400" dirty="0" err="1">
+                <a:latin typeface="Times New Roman" panose="02020603050405020304" pitchFamily="18" charset="0"/>
+                <a:cs typeface="Times New Roman" panose="02020603050405020304" pitchFamily="18" charset="0"/>
+              </a:rPr>
+              <a:t>letterpaper</a:t>
+            </a:r>
+            <a:r>
+              <a:rPr lang="en-IN" sz="2400" dirty="0">
+                <a:latin typeface="Times New Roman" panose="02020603050405020304" pitchFamily="18" charset="0"/>
+                <a:cs typeface="Times New Roman" panose="02020603050405020304" pitchFamily="18" charset="0"/>
+              </a:rPr>
+              <a:t>]{article}</a:t>
+            </a:r>
+          </a:p>
+          <a:p>
+            <a:pPr>
+              <a:lnSpc>
+                <a:spcPct val="150000"/>
+              </a:lnSpc>
+            </a:pPr>
+            <a:r>
+              <a:rPr lang="en-IN" sz="2400" dirty="0">
+                <a:latin typeface="Times New Roman" panose="02020603050405020304" pitchFamily="18" charset="0"/>
+                <a:cs typeface="Times New Roman" panose="02020603050405020304" pitchFamily="18" charset="0"/>
+              </a:rPr>
+              <a:t>\title{My first </a:t>
+            </a:r>
+            <a:r>
+              <a:rPr lang="en-IN" sz="2400" dirty="0" err="1">
+                <a:latin typeface="Times New Roman" panose="02020603050405020304" pitchFamily="18" charset="0"/>
+                <a:cs typeface="Times New Roman" panose="02020603050405020304" pitchFamily="18" charset="0"/>
+              </a:rPr>
+              <a:t>LaTeX</a:t>
+            </a:r>
+            <a:r>
+              <a:rPr lang="en-IN" sz="2400" dirty="0">
+                <a:latin typeface="Times New Roman" panose="02020603050405020304" pitchFamily="18" charset="0"/>
+                <a:cs typeface="Times New Roman" panose="02020603050405020304" pitchFamily="18" charset="0"/>
+              </a:rPr>
+              <a:t> document}</a:t>
+            </a:r>
+          </a:p>
+          <a:p>
+            <a:pPr>
+              <a:lnSpc>
+                <a:spcPct val="150000"/>
+              </a:lnSpc>
+            </a:pPr>
+            <a:r>
+              <a:rPr lang="en-IN" sz="2400" dirty="0">
+                <a:latin typeface="Times New Roman" panose="02020603050405020304" pitchFamily="18" charset="0"/>
+                <a:cs typeface="Times New Roman" panose="02020603050405020304" pitchFamily="18" charset="0"/>
+              </a:rPr>
+              <a:t>\author{Hubert </a:t>
+            </a:r>
+            <a:r>
+              <a:rPr lang="en-IN" sz="2400" dirty="0" smtClean="0">
+                <a:latin typeface="Times New Roman" panose="02020603050405020304" pitchFamily="18" charset="0"/>
+                <a:cs typeface="Times New Roman" panose="02020603050405020304" pitchFamily="18" charset="0"/>
+              </a:rPr>
+              <a:t>Farnsworth\thanks{ICAR-IISR.}}</a:t>
+            </a:r>
+            <a:endParaRPr lang="en-IN" sz="2400" dirty="0">
+              <a:latin typeface="Times New Roman" panose="02020603050405020304" pitchFamily="18" charset="0"/>
+              <a:cs typeface="Times New Roman" panose="02020603050405020304" pitchFamily="18" charset="0"/>
+            </a:endParaRPr>
+          </a:p>
+          <a:p>
+            <a:pPr>
+              <a:lnSpc>
+                <a:spcPct val="150000"/>
+              </a:lnSpc>
+            </a:pPr>
+            <a:r>
+              <a:rPr lang="en-IN" sz="2400" dirty="0">
+                <a:latin typeface="Times New Roman" panose="02020603050405020304" pitchFamily="18" charset="0"/>
+                <a:cs typeface="Times New Roman" panose="02020603050405020304" pitchFamily="18" charset="0"/>
+              </a:rPr>
+              <a:t>\date{August </a:t>
+            </a:r>
+            <a:r>
+              <a:rPr lang="en-IN" sz="2400" dirty="0" smtClean="0">
+                <a:latin typeface="Times New Roman" panose="02020603050405020304" pitchFamily="18" charset="0"/>
+                <a:cs typeface="Times New Roman" panose="02020603050405020304" pitchFamily="18" charset="0"/>
+              </a:rPr>
+              <a:t>2024}</a:t>
+            </a:r>
+            <a:endParaRPr lang="en-IN" sz="2400" dirty="0">
+              <a:latin typeface="Times New Roman" panose="02020603050405020304" pitchFamily="18" charset="0"/>
+              <a:cs typeface="Times New Roman" panose="02020603050405020304" pitchFamily="18" charset="0"/>
+            </a:endParaRPr>
+          </a:p>
+        </p:txBody>
+      </p:sp>
+      <p:sp>
+        <p:nvSpPr>
+          <p:cNvPr id="5" name="Rectangle 4"/>
+          <p:cNvSpPr/>
+          <p:nvPr/>
+        </p:nvSpPr>
+        <p:spPr>
+          <a:xfrm>
+            <a:off x="419099" y="324535"/>
+            <a:ext cx="10868025" cy="461665"/>
+          </a:xfrm>
+          <a:prstGeom prst="rect">
+            <a:avLst/>
+          </a:prstGeom>
+        </p:spPr>
+        <p:txBody>
+          <a:bodyPr wrap="square">
+            <a:spAutoFit/>
+          </a:bodyPr>
+          <a:lstStyle/>
+          <a:p>
+            <a:r>
+              <a:rPr lang="en-US" sz="2400" b="1" dirty="0">
+                <a:solidFill>
+                  <a:srgbClr val="495365"/>
+                </a:solidFill>
+                <a:latin typeface="Times New Roman" panose="02020603050405020304" pitchFamily="18" charset="0"/>
+                <a:cs typeface="Times New Roman" panose="02020603050405020304" pitchFamily="18" charset="0"/>
+              </a:rPr>
+              <a:t>With these lines added, </a:t>
+            </a:r>
+            <a:r>
+              <a:rPr lang="en-US" sz="2400" b="1" dirty="0" smtClean="0">
+                <a:solidFill>
+                  <a:srgbClr val="495365"/>
+                </a:solidFill>
+                <a:latin typeface="Times New Roman" panose="02020603050405020304" pitchFamily="18" charset="0"/>
+                <a:cs typeface="Times New Roman" panose="02020603050405020304" pitchFamily="18" charset="0"/>
+              </a:rPr>
+              <a:t>our </a:t>
+            </a:r>
+            <a:r>
+              <a:rPr lang="en-US" sz="2400" b="1" dirty="0">
+                <a:solidFill>
+                  <a:srgbClr val="495365"/>
+                </a:solidFill>
+                <a:latin typeface="Times New Roman" panose="02020603050405020304" pitchFamily="18" charset="0"/>
+                <a:cs typeface="Times New Roman" panose="02020603050405020304" pitchFamily="18" charset="0"/>
+              </a:rPr>
+              <a:t>preamble should look something like this:</a:t>
+            </a:r>
+            <a:endParaRPr lang="en-IN" sz="2400" b="1" dirty="0">
+              <a:latin typeface="Times New Roman" panose="02020603050405020304" pitchFamily="18" charset="0"/>
+              <a:cs typeface="Times New Roman" panose="02020603050405020304" pitchFamily="18" charset="0"/>
+            </a:endParaRPr>
+          </a:p>
+        </p:txBody>
+      </p:sp>
+    </p:spTree>
+    <p:extLst>
+      <p:ext uri="{BB962C8B-B14F-4D97-AF65-F5344CB8AC3E}">
+        <p14:creationId xmlns:p14="http://schemas.microsoft.com/office/powerpoint/2010/main" val="3955932425"/>
+      </p:ext>
+    </p:extLst>
+  </p:cSld>
+  <p:clrMapOvr>
+    <a:masterClrMapping/>
+  </p:clrMapOvr>
+</p:sld>
+</file>
+
+<file path=ppt/slides/slide12.xml><?xml version="1.0" encoding="utf-8"?>
+<p:sld xmlns:a="http://schemas.openxmlformats.org/drawingml/2006/main" xmlns:r="http://schemas.openxmlformats.org/officeDocument/2006/relationships" xmlns:p="http://schemas.openxmlformats.org/presentationml/2006/main">
+  <p:cSld>
+    <p:spTree>
+      <p:nvGrpSpPr>
+        <p:cNvPr id="1" name=""/>
+        <p:cNvGrpSpPr/>
+        <p:nvPr/>
+      </p:nvGrpSpPr>
+      <p:grpSpPr>
+        <a:xfrm>
+          <a:off x="0" y="0"/>
+          <a:ext cx="0" cy="0"/>
+          <a:chOff x="0" y="0"/>
+          <a:chExt cx="0" cy="0"/>
+        </a:xfrm>
+      </p:grpSpPr>
+      <p:sp>
+        <p:nvSpPr>
+          <p:cNvPr id="4" name="Rectangle 3"/>
+          <p:cNvSpPr/>
+          <p:nvPr/>
+        </p:nvSpPr>
+        <p:spPr>
+          <a:xfrm>
             <a:off x="4407030" y="0"/>
             <a:ext cx="6251445" cy="584775"/>
           </a:xfrm>
@@ -3383,7 +3788,7 @@
 </p:sld>
 </file>
 
-<file path=ppt/slides/slide11.xml><?xml version="1.0" encoding="utf-8"?>
+<file path=ppt/slides/slide13.xml><?xml version="1.0" encoding="utf-8"?>
 <p:sld xmlns:a="http://schemas.openxmlformats.org/drawingml/2006/main" xmlns:r="http://schemas.openxmlformats.org/officeDocument/2006/relationships" xmlns:p="http://schemas.openxmlformats.org/presentationml/2006/main">
   <p:cSld>
     <p:spTree>
@@ -3471,7 +3876,7 @@
 </p:sld>
 </file>
 
-<file path=ppt/slides/slide12.xml><?xml version="1.0" encoding="utf-8"?>
+<file path=ppt/slides/slide14.xml><?xml version="1.0" encoding="utf-8"?>
 <p:sld xmlns:a="http://schemas.openxmlformats.org/drawingml/2006/main" xmlns:r="http://schemas.openxmlformats.org/officeDocument/2006/relationships" xmlns:p="http://schemas.openxmlformats.org/presentationml/2006/main">
   <p:cSld>
     <p:spTree>
@@ -3580,7 +3985,7 @@
 </p:sld>
 </file>
 
-<file path=ppt/slides/slide13.xml><?xml version="1.0" encoding="utf-8"?>
+<file path=ppt/slides/slide15.xml><?xml version="1.0" encoding="utf-8"?>
 <p:sld xmlns:a="http://schemas.openxmlformats.org/drawingml/2006/main" xmlns:r="http://schemas.openxmlformats.org/officeDocument/2006/relationships" xmlns:p="http://schemas.openxmlformats.org/presentationml/2006/main">
   <p:cSld>
     <p:spTree>
@@ -3689,7 +4094,7 @@
 </p:sld>
 </file>
 
-<file path=ppt/slides/slide14.xml><?xml version="1.0" encoding="utf-8"?>
+<file path=ppt/slides/slide16.xml><?xml version="1.0" encoding="utf-8"?>
 <p:sld xmlns:a="http://schemas.openxmlformats.org/drawingml/2006/main" xmlns:r="http://schemas.openxmlformats.org/officeDocument/2006/relationships" xmlns:p="http://schemas.openxmlformats.org/presentationml/2006/main">
   <p:cSld>
     <p:spTree>
@@ -4136,13 +4541,360 @@
       </p:grpSpPr>
       <p:sp>
         <p:nvSpPr>
+          <p:cNvPr id="9218" name="Title 1"/>
+          <p:cNvSpPr>
+            <a:spLocks noGrp="1"/>
+          </p:cNvSpPr>
+          <p:nvPr>
+            <p:ph type="title"/>
+          </p:nvPr>
+        </p:nvSpPr>
+        <p:spPr/>
+        <p:txBody>
+          <a:bodyPr/>
+          <a:lstStyle/>
+          <a:p>
+            <a:pPr eaLnBrk="1" hangingPunct="1"/>
+            <a:r>
+              <a:rPr lang="en-US" altLang="en-US" smtClean="0"/>
+              <a:t>Basic Document Structure</a:t>
+            </a:r>
+          </a:p>
+        </p:txBody>
+      </p:sp>
+      <p:sp>
+        <p:nvSpPr>
+          <p:cNvPr id="5" name="Content Placeholder 4"/>
+          <p:cNvSpPr>
+            <a:spLocks noGrp="1"/>
+          </p:cNvSpPr>
+          <p:nvPr>
+            <p:ph idx="1"/>
+          </p:nvPr>
+        </p:nvSpPr>
+        <p:spPr/>
+        <p:txBody>
+          <a:bodyPr rtlCol="0">
+            <a:normAutofit/>
+          </a:bodyPr>
+          <a:lstStyle/>
+          <a:p>
+            <a:pPr>
+              <a:defRPr/>
+            </a:pPr>
+            <a:r>
+              <a:rPr lang="en-US" dirty="0" smtClean="0"/>
+              <a:t>The format of a document is pretty simple.</a:t>
+            </a:r>
+          </a:p>
+          <a:p>
+            <a:pPr lvl="1">
+              <a:defRPr/>
+            </a:pPr>
+            <a:r>
+              <a:rPr lang="en-US" dirty="0" smtClean="0"/>
+              <a:t>In the preamble</a:t>
+            </a:r>
+          </a:p>
+          <a:p>
+            <a:pPr lvl="2">
+              <a:defRPr/>
+            </a:pPr>
+            <a:r>
+              <a:rPr lang="en-US" dirty="0" err="1" smtClean="0"/>
+              <a:t>Documentclass</a:t>
+            </a:r>
+            <a:endParaRPr lang="en-US" dirty="0" smtClean="0"/>
+          </a:p>
+          <a:p>
+            <a:pPr lvl="2">
+              <a:defRPr/>
+            </a:pPr>
+            <a:r>
+              <a:rPr lang="en-US" dirty="0" smtClean="0"/>
+              <a:t>Packages</a:t>
+            </a:r>
+          </a:p>
+          <a:p>
+            <a:pPr lvl="1">
+              <a:defRPr/>
+            </a:pPr>
+            <a:r>
+              <a:rPr lang="en-US" dirty="0" smtClean="0"/>
+              <a:t>In the front matter</a:t>
+            </a:r>
+          </a:p>
+          <a:p>
+            <a:pPr lvl="2">
+              <a:defRPr/>
+            </a:pPr>
+            <a:r>
+              <a:rPr lang="en-US" dirty="0" smtClean="0"/>
+              <a:t>Title/author</a:t>
+            </a:r>
+          </a:p>
+          <a:p>
+            <a:pPr lvl="1">
+              <a:defRPr/>
+            </a:pPr>
+            <a:r>
+              <a:rPr lang="en-US" dirty="0" smtClean="0"/>
+              <a:t>In the body</a:t>
+            </a:r>
+          </a:p>
+          <a:p>
+            <a:pPr lvl="2">
+              <a:defRPr/>
+            </a:pPr>
+            <a:r>
+              <a:rPr lang="en-US" dirty="0" smtClean="0"/>
+              <a:t>Contents</a:t>
+            </a:r>
+          </a:p>
+          <a:p>
+            <a:pPr lvl="1">
+              <a:defRPr/>
+            </a:pPr>
+            <a:r>
+              <a:rPr lang="en-US" dirty="0" smtClean="0"/>
+              <a:t>In the back matter</a:t>
+            </a:r>
+          </a:p>
+          <a:p>
+            <a:pPr lvl="2">
+              <a:defRPr/>
+            </a:pPr>
+            <a:r>
+              <a:rPr lang="en-US" dirty="0" smtClean="0"/>
+              <a:t>bibliography</a:t>
+            </a:r>
+          </a:p>
+        </p:txBody>
+      </p:sp>
+    </p:spTree>
+    <p:extLst>
+      <p:ext uri="{BB962C8B-B14F-4D97-AF65-F5344CB8AC3E}">
+        <p14:creationId xmlns:p14="http://schemas.microsoft.com/office/powerpoint/2010/main" val="1555096409"/>
+      </p:ext>
+    </p:extLst>
+  </p:cSld>
+  <p:clrMapOvr>
+    <a:masterClrMapping/>
+  </p:clrMapOvr>
+</p:sld>
+</file>
+
+<file path=ppt/slides/slide4.xml><?xml version="1.0" encoding="utf-8"?>
+<p:sld xmlns:a="http://schemas.openxmlformats.org/drawingml/2006/main" xmlns:r="http://schemas.openxmlformats.org/officeDocument/2006/relationships" xmlns:p="http://schemas.openxmlformats.org/presentationml/2006/main">
+  <p:cSld>
+    <p:spTree>
+      <p:nvGrpSpPr>
+        <p:cNvPr id="1" name=""/>
+        <p:cNvGrpSpPr/>
+        <p:nvPr/>
+      </p:nvGrpSpPr>
+      <p:grpSpPr>
+        <a:xfrm>
+          <a:off x="0" y="0"/>
+          <a:ext cx="0" cy="0"/>
+          <a:chOff x="0" y="0"/>
+          <a:chExt cx="0" cy="0"/>
+        </a:xfrm>
+      </p:grpSpPr>
+      <p:sp>
+        <p:nvSpPr>
+          <p:cNvPr id="10242" name="Title 1"/>
+          <p:cNvSpPr>
+            <a:spLocks noGrp="1"/>
+          </p:cNvSpPr>
+          <p:nvPr>
+            <p:ph type="title"/>
+          </p:nvPr>
+        </p:nvSpPr>
+        <p:spPr/>
+        <p:txBody>
+          <a:bodyPr/>
+          <a:lstStyle/>
+          <a:p>
+            <a:pPr eaLnBrk="1" hangingPunct="1"/>
+            <a:r>
+              <a:rPr lang="en-US" altLang="en-US" smtClean="0"/>
+              <a:t>In the Preamble</a:t>
+            </a:r>
+          </a:p>
+        </p:txBody>
+      </p:sp>
+      <p:sp>
+        <p:nvSpPr>
+          <p:cNvPr id="10243" name="Content Placeholder 2"/>
+          <p:cNvSpPr>
+            <a:spLocks noGrp="1"/>
+          </p:cNvSpPr>
+          <p:nvPr>
+            <p:ph idx="1"/>
+          </p:nvPr>
+        </p:nvSpPr>
+        <p:spPr/>
+        <p:txBody>
+          <a:bodyPr/>
+          <a:lstStyle/>
+          <a:p>
+            <a:pPr eaLnBrk="1" hangingPunct="1"/>
+            <a:r>
+              <a:rPr lang="en-US" altLang="en-US" dirty="0" smtClean="0"/>
+              <a:t>You specify </a:t>
+            </a:r>
+            <a:r>
+              <a:rPr lang="en-US" altLang="en-US" dirty="0" smtClean="0"/>
+              <a:t>our </a:t>
+            </a:r>
+            <a:r>
+              <a:rPr lang="en-US" altLang="en-US" dirty="0" smtClean="0"/>
+              <a:t>document class.</a:t>
+            </a:r>
+          </a:p>
+          <a:p>
+            <a:pPr lvl="1" eaLnBrk="1" hangingPunct="1"/>
+            <a:r>
+              <a:rPr lang="en-US" altLang="en-US" dirty="0" smtClean="0"/>
+              <a:t>Document classes: letter, article, report, book, slides(beamer, prosper)</a:t>
+            </a:r>
+          </a:p>
+          <a:p>
+            <a:pPr lvl="2" eaLnBrk="1" hangingPunct="1"/>
+            <a:r>
+              <a:rPr lang="en-US" altLang="en-US" dirty="0" smtClean="0"/>
+              <a:t>\</a:t>
+            </a:r>
+            <a:r>
+              <a:rPr lang="en-US" altLang="en-US" dirty="0" err="1" smtClean="0"/>
+              <a:t>documentclass</a:t>
+            </a:r>
+            <a:r>
+              <a:rPr lang="en-US" altLang="en-US" dirty="0" smtClean="0"/>
+              <a:t>[12pt]{article}</a:t>
+            </a:r>
+          </a:p>
+          <a:p>
+            <a:pPr lvl="2" eaLnBrk="1" hangingPunct="1"/>
+            <a:r>
+              <a:rPr lang="en-US" altLang="en-US" dirty="0" smtClean="0">
+                <a:solidFill>
+                  <a:srgbClr val="FF0000"/>
+                </a:solidFill>
+              </a:rPr>
+              <a:t>Backslash – at the beginning of text markup command</a:t>
+            </a:r>
+          </a:p>
+          <a:p>
+            <a:pPr lvl="1" eaLnBrk="1" hangingPunct="1"/>
+            <a:r>
+              <a:rPr lang="en-US" altLang="en-US" dirty="0" smtClean="0"/>
+              <a:t>Packages: numerous packages are available</a:t>
+            </a:r>
+          </a:p>
+          <a:p>
+            <a:pPr lvl="2" eaLnBrk="1" hangingPunct="1"/>
+            <a:r>
+              <a:rPr lang="en-US" altLang="en-US" dirty="0" smtClean="0"/>
+              <a:t>\</a:t>
+            </a:r>
+            <a:r>
+              <a:rPr lang="en-US" altLang="en-US" dirty="0" err="1" smtClean="0"/>
+              <a:t>usepackage</a:t>
+            </a:r>
+            <a:r>
+              <a:rPr lang="en-US" altLang="en-US" dirty="0" smtClean="0"/>
+              <a:t>[margin=1in]{geometry}</a:t>
+            </a:r>
+          </a:p>
+          <a:p>
+            <a:pPr lvl="2" eaLnBrk="1" hangingPunct="1"/>
+            <a:r>
+              <a:rPr lang="en-US" altLang="en-US" dirty="0" smtClean="0"/>
+              <a:t>\</a:t>
+            </a:r>
+            <a:r>
+              <a:rPr lang="en-US" altLang="en-US" dirty="0" err="1" smtClean="0"/>
+              <a:t>usepackage</a:t>
+            </a:r>
+            <a:r>
+              <a:rPr lang="en-US" altLang="en-US" dirty="0" smtClean="0"/>
+              <a:t>{</a:t>
+            </a:r>
+            <a:r>
+              <a:rPr lang="en-US" altLang="en-US" dirty="0" err="1" smtClean="0"/>
+              <a:t>setspace</a:t>
+            </a:r>
+            <a:r>
+              <a:rPr lang="en-US" altLang="en-US" dirty="0" smtClean="0"/>
+              <a:t>}</a:t>
+            </a:r>
+          </a:p>
+          <a:p>
+            <a:pPr lvl="2" eaLnBrk="1" hangingPunct="1"/>
+            <a:r>
+              <a:rPr lang="en-US" altLang="en-US" dirty="0" smtClean="0"/>
+              <a:t>\</a:t>
+            </a:r>
+            <a:r>
+              <a:rPr lang="en-US" altLang="en-US" dirty="0" err="1" smtClean="0"/>
+              <a:t>usepackage</a:t>
+            </a:r>
+            <a:r>
+              <a:rPr lang="en-US" altLang="en-US" dirty="0" smtClean="0"/>
+              <a:t>{</a:t>
+            </a:r>
+            <a:r>
+              <a:rPr lang="en-US" altLang="en-US" dirty="0" err="1" smtClean="0"/>
+              <a:t>harvard</a:t>
+            </a:r>
+            <a:r>
+              <a:rPr lang="en-US" altLang="en-US" dirty="0" smtClean="0"/>
+              <a:t>}</a:t>
+            </a:r>
+          </a:p>
+        </p:txBody>
+      </p:sp>
+    </p:spTree>
+    <p:extLst>
+      <p:ext uri="{BB962C8B-B14F-4D97-AF65-F5344CB8AC3E}">
+        <p14:creationId xmlns:p14="http://schemas.microsoft.com/office/powerpoint/2010/main" val="83512682"/>
+      </p:ext>
+    </p:extLst>
+  </p:cSld>
+  <p:clrMapOvr>
+    <a:masterClrMapping/>
+  </p:clrMapOvr>
+</p:sld>
+</file>
+
+<file path=ppt/slides/slide5.xml><?xml version="1.0" encoding="utf-8"?>
+<p:sld xmlns:a="http://schemas.openxmlformats.org/drawingml/2006/main" xmlns:r="http://schemas.openxmlformats.org/officeDocument/2006/relationships" xmlns:p="http://schemas.openxmlformats.org/presentationml/2006/main">
+  <p:cSld>
+    <p:spTree>
+      <p:nvGrpSpPr>
+        <p:cNvPr id="1" name=""/>
+        <p:cNvGrpSpPr/>
+        <p:nvPr/>
+      </p:nvGrpSpPr>
+      <p:grpSpPr>
+        <a:xfrm>
+          <a:off x="0" y="0"/>
+          <a:ext cx="0" cy="0"/>
+          <a:chOff x="0" y="0"/>
+          <a:chExt cx="0" cy="0"/>
+        </a:xfrm>
+      </p:grpSpPr>
+      <p:sp>
+        <p:nvSpPr>
           <p:cNvPr id="4" name="Rectangle 3"/>
           <p:cNvSpPr/>
           <p:nvPr/>
         </p:nvSpPr>
         <p:spPr>
           <a:xfrm>
-            <a:off x="3673605" y="190500"/>
+            <a:off x="2340105" y="609600"/>
             <a:ext cx="6213345" cy="584775"/>
           </a:xfrm>
           <a:prstGeom prst="rect">
@@ -4227,507 +4979,6 @@
 </p:sld>
 </file>
 
-<file path=ppt/slides/slide4.xml><?xml version="1.0" encoding="utf-8"?>
-<p:sld xmlns:a="http://schemas.openxmlformats.org/drawingml/2006/main" xmlns:r="http://schemas.openxmlformats.org/officeDocument/2006/relationships" xmlns:p="http://schemas.openxmlformats.org/presentationml/2006/main">
-  <p:cSld>
-    <p:spTree>
-      <p:nvGrpSpPr>
-        <p:cNvPr id="1" name=""/>
-        <p:cNvGrpSpPr/>
-        <p:nvPr/>
-      </p:nvGrpSpPr>
-      <p:grpSpPr>
-        <a:xfrm>
-          <a:off x="0" y="0"/>
-          <a:ext cx="0" cy="0"/>
-          <a:chOff x="0" y="0"/>
-          <a:chExt cx="0" cy="0"/>
-        </a:xfrm>
-      </p:grpSpPr>
-      <p:sp>
-        <p:nvSpPr>
-          <p:cNvPr id="4" name="Rectangle 3"/>
-          <p:cNvSpPr/>
-          <p:nvPr/>
-        </p:nvSpPr>
-        <p:spPr>
-          <a:xfrm>
-            <a:off x="4407030" y="0"/>
-            <a:ext cx="2546219" cy="584775"/>
-          </a:xfrm>
-          <a:prstGeom prst="rect">
-            <a:avLst/>
-          </a:prstGeom>
-        </p:spPr>
-        <p:txBody>
-          <a:bodyPr wrap="square">
-            <a:spAutoFit/>
-          </a:bodyPr>
-          <a:lstStyle/>
-          <a:p>
-            <a:pPr algn="just"/>
-            <a:r>
-              <a:rPr lang="en-US" sz="3200" b="1" i="0" dirty="0" smtClean="0">
-                <a:solidFill>
-                  <a:srgbClr val="333333"/>
-                </a:solidFill>
-                <a:effectLst/>
-                <a:latin typeface="Inter-Regular"/>
-              </a:rPr>
-              <a:t>Explanation</a:t>
-            </a:r>
-            <a:endParaRPr lang="en-US" sz="3200" b="0" i="0" dirty="0" smtClean="0">
-              <a:solidFill>
-                <a:srgbClr val="333333"/>
-              </a:solidFill>
-              <a:effectLst/>
-              <a:latin typeface="Inter-Regular"/>
-            </a:endParaRPr>
-          </a:p>
-        </p:txBody>
-      </p:sp>
-      <p:sp>
-        <p:nvSpPr>
-          <p:cNvPr id="3" name="Rectangle 2"/>
-          <p:cNvSpPr/>
-          <p:nvPr/>
-        </p:nvSpPr>
-        <p:spPr>
-          <a:xfrm>
-            <a:off x="600074" y="924610"/>
-            <a:ext cx="11496675" cy="1631216"/>
-          </a:xfrm>
-          <a:prstGeom prst="rect">
-            <a:avLst/>
-          </a:prstGeom>
-        </p:spPr>
-        <p:txBody>
-          <a:bodyPr wrap="square">
-            <a:spAutoFit/>
-          </a:bodyPr>
-          <a:lstStyle/>
-          <a:p>
-            <a:pPr marL="342900" indent="-342900">
-              <a:buFont typeface="Wingdings" panose="05000000000000000000" pitchFamily="2" charset="2"/>
-              <a:buChar char="§"/>
-            </a:pPr>
-            <a:r>
-              <a:rPr lang="en-US" sz="2000" dirty="0">
-                <a:latin typeface="Times New Roman" panose="02020603050405020304" pitchFamily="18" charset="0"/>
-                <a:cs typeface="Times New Roman" panose="02020603050405020304" pitchFamily="18" charset="0"/>
-              </a:rPr>
-              <a:t>The first line of code, \</a:t>
-            </a:r>
-            <a:r>
-              <a:rPr lang="en-US" sz="2000" dirty="0" err="1">
-                <a:latin typeface="Times New Roman" panose="02020603050405020304" pitchFamily="18" charset="0"/>
-                <a:cs typeface="Times New Roman" panose="02020603050405020304" pitchFamily="18" charset="0"/>
-              </a:rPr>
-              <a:t>documentclass</a:t>
-            </a:r>
-            <a:r>
-              <a:rPr lang="en-US" sz="2000" dirty="0">
-                <a:latin typeface="Times New Roman" panose="02020603050405020304" pitchFamily="18" charset="0"/>
-                <a:cs typeface="Times New Roman" panose="02020603050405020304" pitchFamily="18" charset="0"/>
-              </a:rPr>
-              <a:t>{article}, declares the document type known as its </a:t>
-            </a:r>
-            <a:r>
-              <a:rPr lang="en-US" sz="2000" dirty="0" smtClean="0">
-                <a:latin typeface="Times New Roman" panose="02020603050405020304" pitchFamily="18" charset="0"/>
-                <a:cs typeface="Times New Roman" panose="02020603050405020304" pitchFamily="18" charset="0"/>
-              </a:rPr>
-              <a:t>class.</a:t>
-            </a:r>
-            <a:r>
-              <a:rPr lang="en-US" sz="2000" dirty="0">
-                <a:latin typeface="Times New Roman" panose="02020603050405020304" pitchFamily="18" charset="0"/>
-                <a:cs typeface="Times New Roman" panose="02020603050405020304" pitchFamily="18" charset="0"/>
-              </a:rPr>
-              <a:t> which controls the overall appearance of the document. Different types of documents require different </a:t>
-            </a:r>
-            <a:r>
-              <a:rPr lang="en-US" sz="2000" dirty="0" smtClean="0">
-                <a:latin typeface="Times New Roman" panose="02020603050405020304" pitchFamily="18" charset="0"/>
-                <a:cs typeface="Times New Roman" panose="02020603050405020304" pitchFamily="18" charset="0"/>
-              </a:rPr>
-              <a:t>classes.</a:t>
-            </a:r>
-          </a:p>
-          <a:p>
-            <a:pPr marL="342900" indent="-342900">
-              <a:buFont typeface="Wingdings" panose="05000000000000000000" pitchFamily="2" charset="2"/>
-              <a:buChar char="§"/>
-            </a:pPr>
-            <a:endParaRPr lang="en-US" sz="2000" dirty="0">
-              <a:latin typeface="Times New Roman" panose="02020603050405020304" pitchFamily="18" charset="0"/>
-              <a:cs typeface="Times New Roman" panose="02020603050405020304" pitchFamily="18" charset="0"/>
-            </a:endParaRPr>
-          </a:p>
-          <a:p>
-            <a:pPr marL="342900" indent="-342900">
-              <a:buFont typeface="Wingdings" panose="05000000000000000000" pitchFamily="2" charset="2"/>
-              <a:buChar char="§"/>
-            </a:pPr>
-            <a:r>
-              <a:rPr lang="en-US" sz="2000" dirty="0">
-                <a:latin typeface="Times New Roman" panose="02020603050405020304" pitchFamily="18" charset="0"/>
-                <a:cs typeface="Times New Roman" panose="02020603050405020304" pitchFamily="18" charset="0"/>
-              </a:rPr>
-              <a:t>Having set the document class, our content, known as the body of the document, is written between the \begin{document} and \end{document} tags. </a:t>
-            </a:r>
-            <a:endParaRPr lang="en-IN" sz="2000" dirty="0">
-              <a:latin typeface="Times New Roman" panose="02020603050405020304" pitchFamily="18" charset="0"/>
-              <a:cs typeface="Times New Roman" panose="02020603050405020304" pitchFamily="18" charset="0"/>
-            </a:endParaRPr>
-          </a:p>
-        </p:txBody>
-      </p:sp>
-    </p:spTree>
-    <p:extLst>
-      <p:ext uri="{BB962C8B-B14F-4D97-AF65-F5344CB8AC3E}">
-        <p14:creationId xmlns:p14="http://schemas.microsoft.com/office/powerpoint/2010/main" val="3694253032"/>
-      </p:ext>
-    </p:extLst>
-  </p:cSld>
-  <p:clrMapOvr>
-    <a:masterClrMapping/>
-  </p:clrMapOvr>
-  <p:timing>
-    <p:tnLst>
-      <p:par>
-        <p:cTn id="1" dur="indefinite" restart="never" nodeType="tmRoot"/>
-      </p:par>
-    </p:tnLst>
-  </p:timing>
-</p:sld>
-</file>
-
-<file path=ppt/slides/slide5.xml><?xml version="1.0" encoding="utf-8"?>
-<p:sld xmlns:a="http://schemas.openxmlformats.org/drawingml/2006/main" xmlns:r="http://schemas.openxmlformats.org/officeDocument/2006/relationships" xmlns:p="http://schemas.openxmlformats.org/presentationml/2006/main">
-  <p:cSld>
-    <p:spTree>
-      <p:nvGrpSpPr>
-        <p:cNvPr id="1" name=""/>
-        <p:cNvGrpSpPr/>
-        <p:nvPr/>
-      </p:nvGrpSpPr>
-      <p:grpSpPr>
-        <a:xfrm>
-          <a:off x="0" y="0"/>
-          <a:ext cx="0" cy="0"/>
-          <a:chOff x="0" y="0"/>
-          <a:chExt cx="0" cy="0"/>
-        </a:xfrm>
-      </p:grpSpPr>
-      <p:sp>
-        <p:nvSpPr>
-          <p:cNvPr id="4" name="Rectangle 3"/>
-          <p:cNvSpPr/>
-          <p:nvPr/>
-        </p:nvSpPr>
-        <p:spPr>
-          <a:xfrm>
-            <a:off x="3692655" y="76200"/>
-            <a:ext cx="6022845" cy="584775"/>
-          </a:xfrm>
-          <a:prstGeom prst="rect">
-            <a:avLst/>
-          </a:prstGeom>
-        </p:spPr>
-        <p:txBody>
-          <a:bodyPr wrap="square">
-            <a:spAutoFit/>
-          </a:bodyPr>
-          <a:lstStyle/>
-          <a:p>
-            <a:r>
-              <a:rPr lang="en-US" sz="3200" b="1" dirty="0" smtClean="0"/>
-              <a:t>Preamble </a:t>
-            </a:r>
-            <a:r>
-              <a:rPr lang="en-US" sz="3200" b="1" dirty="0"/>
-              <a:t>of a </a:t>
-            </a:r>
-            <a:r>
-              <a:rPr lang="en-US" sz="3200" b="1" dirty="0" smtClean="0"/>
-              <a:t>Document</a:t>
-            </a:r>
-            <a:endParaRPr lang="en-US" sz="3200" b="1" dirty="0"/>
-          </a:p>
-        </p:txBody>
-      </p:sp>
-      <p:sp>
-        <p:nvSpPr>
-          <p:cNvPr id="3" name="Rectangle 2"/>
-          <p:cNvSpPr/>
-          <p:nvPr/>
-        </p:nvSpPr>
-        <p:spPr>
-          <a:xfrm>
-            <a:off x="333374" y="1162735"/>
-            <a:ext cx="11496675" cy="1938992"/>
-          </a:xfrm>
-          <a:prstGeom prst="rect">
-            <a:avLst/>
-          </a:prstGeom>
-        </p:spPr>
-        <p:txBody>
-          <a:bodyPr wrap="square">
-            <a:spAutoFit/>
-          </a:bodyPr>
-          <a:lstStyle/>
-          <a:p>
-            <a:pPr marL="342900" indent="-342900">
-              <a:buFont typeface="Wingdings" panose="05000000000000000000" pitchFamily="2" charset="2"/>
-              <a:buChar char="§"/>
-            </a:pPr>
-            <a:r>
-              <a:rPr lang="en-US" sz="2400" dirty="0">
-                <a:latin typeface="Times New Roman" panose="02020603050405020304" pitchFamily="18" charset="0"/>
-                <a:cs typeface="Times New Roman" panose="02020603050405020304" pitchFamily="18" charset="0"/>
-              </a:rPr>
-              <a:t>The preamble allows you to define the type of document, author, date, language, and load in </a:t>
-            </a:r>
-            <a:r>
-              <a:rPr lang="en-US" sz="2400" dirty="0" err="1">
-                <a:latin typeface="Times New Roman" panose="02020603050405020304" pitchFamily="18" charset="0"/>
-                <a:cs typeface="Times New Roman" panose="02020603050405020304" pitchFamily="18" charset="0"/>
-              </a:rPr>
-              <a:t>LaTex</a:t>
-            </a:r>
-            <a:r>
-              <a:rPr lang="en-US" sz="2400" dirty="0">
-                <a:latin typeface="Times New Roman" panose="02020603050405020304" pitchFamily="18" charset="0"/>
-                <a:cs typeface="Times New Roman" panose="02020603050405020304" pitchFamily="18" charset="0"/>
-              </a:rPr>
-              <a:t> packages that you want to use in the document</a:t>
-            </a:r>
-            <a:r>
-              <a:rPr lang="en-US" sz="2400" dirty="0" smtClean="0">
-                <a:latin typeface="Times New Roman" panose="02020603050405020304" pitchFamily="18" charset="0"/>
-                <a:cs typeface="Times New Roman" panose="02020603050405020304" pitchFamily="18" charset="0"/>
-              </a:rPr>
-              <a:t>.</a:t>
-            </a:r>
-          </a:p>
-          <a:p>
-            <a:pPr marL="342900" indent="-342900">
-              <a:buFont typeface="Wingdings" panose="05000000000000000000" pitchFamily="2" charset="2"/>
-              <a:buChar char="§"/>
-            </a:pPr>
-            <a:endParaRPr lang="en-US" sz="2400" dirty="0">
-              <a:latin typeface="Times New Roman" panose="02020603050405020304" pitchFamily="18" charset="0"/>
-              <a:cs typeface="Times New Roman" panose="02020603050405020304" pitchFamily="18" charset="0"/>
-            </a:endParaRPr>
-          </a:p>
-          <a:p>
-            <a:pPr marL="342900" indent="-342900">
-              <a:buFont typeface="Wingdings" panose="05000000000000000000" pitchFamily="2" charset="2"/>
-              <a:buChar char="§"/>
-            </a:pPr>
-            <a:r>
-              <a:rPr lang="en-US" sz="2400" dirty="0" smtClean="0">
-                <a:latin typeface="Times New Roman" panose="02020603050405020304" pitchFamily="18" charset="0"/>
-                <a:cs typeface="Times New Roman" panose="02020603050405020304" pitchFamily="18" charset="0"/>
-              </a:rPr>
-              <a:t> </a:t>
-            </a:r>
-            <a:r>
-              <a:rPr lang="en-US" sz="2400" dirty="0">
-                <a:latin typeface="Times New Roman" panose="02020603050405020304" pitchFamily="18" charset="0"/>
-                <a:cs typeface="Times New Roman" panose="02020603050405020304" pitchFamily="18" charset="0"/>
-              </a:rPr>
-              <a:t>After we have included a preamble, we can go ahead and start the main text of our document. We can add things like a title, abstract, and table of contents</a:t>
-            </a:r>
-            <a:endParaRPr lang="en-IN" sz="2400" dirty="0">
-              <a:latin typeface="Times New Roman" panose="02020603050405020304" pitchFamily="18" charset="0"/>
-              <a:cs typeface="Times New Roman" panose="02020603050405020304" pitchFamily="18" charset="0"/>
-            </a:endParaRPr>
-          </a:p>
-        </p:txBody>
-      </p:sp>
-      <p:sp>
-        <p:nvSpPr>
-          <p:cNvPr id="5" name="Rectangle 4"/>
-          <p:cNvSpPr/>
-          <p:nvPr/>
-        </p:nvSpPr>
-        <p:spPr>
-          <a:xfrm>
-            <a:off x="333374" y="3603487"/>
-            <a:ext cx="6096000" cy="1938992"/>
-          </a:xfrm>
-          <a:prstGeom prst="rect">
-            <a:avLst/>
-          </a:prstGeom>
-          <a:ln w="19050">
-            <a:solidFill>
-              <a:schemeClr val="tx1"/>
-            </a:solidFill>
-          </a:ln>
-        </p:spPr>
-        <p:txBody>
-          <a:bodyPr>
-            <a:spAutoFit/>
-          </a:bodyPr>
-          <a:lstStyle/>
-          <a:p>
-            <a:r>
-              <a:rPr lang="en-IN" sz="2400" dirty="0">
-                <a:latin typeface="Times New Roman" panose="02020603050405020304" pitchFamily="18" charset="0"/>
-                <a:cs typeface="Times New Roman" panose="02020603050405020304" pitchFamily="18" charset="0"/>
-              </a:rPr>
-              <a:t>A minimal document preamble might look like this:</a:t>
-            </a:r>
-          </a:p>
-          <a:p>
-            <a:endParaRPr lang="en-IN" sz="2400" dirty="0">
-              <a:latin typeface="Times New Roman" panose="02020603050405020304" pitchFamily="18" charset="0"/>
-              <a:cs typeface="Times New Roman" panose="02020603050405020304" pitchFamily="18" charset="0"/>
-            </a:endParaRPr>
-          </a:p>
-          <a:p>
-            <a:r>
-              <a:rPr lang="en-IN" sz="2400" dirty="0" smtClean="0">
-                <a:latin typeface="Times New Roman" panose="02020603050405020304" pitchFamily="18" charset="0"/>
-                <a:cs typeface="Times New Roman" panose="02020603050405020304" pitchFamily="18" charset="0"/>
-              </a:rPr>
-              <a:t>\</a:t>
-            </a:r>
-            <a:r>
-              <a:rPr lang="en-IN" sz="2400" dirty="0" err="1">
-                <a:latin typeface="Times New Roman" panose="02020603050405020304" pitchFamily="18" charset="0"/>
-                <a:cs typeface="Times New Roman" panose="02020603050405020304" pitchFamily="18" charset="0"/>
-              </a:rPr>
-              <a:t>documentclass</a:t>
-            </a:r>
-            <a:r>
-              <a:rPr lang="en-IN" sz="2400" dirty="0">
-                <a:latin typeface="Times New Roman" panose="02020603050405020304" pitchFamily="18" charset="0"/>
-                <a:cs typeface="Times New Roman" panose="02020603050405020304" pitchFamily="18" charset="0"/>
-              </a:rPr>
-              <a:t>[12pt, </a:t>
-            </a:r>
-            <a:r>
-              <a:rPr lang="en-IN" sz="2400" dirty="0" err="1">
-                <a:latin typeface="Times New Roman" panose="02020603050405020304" pitchFamily="18" charset="0"/>
-                <a:cs typeface="Times New Roman" panose="02020603050405020304" pitchFamily="18" charset="0"/>
-              </a:rPr>
-              <a:t>letterpaper</a:t>
-            </a:r>
-            <a:r>
-              <a:rPr lang="en-IN" sz="2400" dirty="0">
-                <a:latin typeface="Times New Roman" panose="02020603050405020304" pitchFamily="18" charset="0"/>
-                <a:cs typeface="Times New Roman" panose="02020603050405020304" pitchFamily="18" charset="0"/>
-              </a:rPr>
-              <a:t>]{article}</a:t>
-            </a:r>
-          </a:p>
-          <a:p>
-            <a:r>
-              <a:rPr lang="en-IN" sz="2400" dirty="0">
-                <a:latin typeface="Times New Roman" panose="02020603050405020304" pitchFamily="18" charset="0"/>
-                <a:cs typeface="Times New Roman" panose="02020603050405020304" pitchFamily="18" charset="0"/>
-              </a:rPr>
-              <a:t>\</a:t>
-            </a:r>
-            <a:r>
-              <a:rPr lang="en-IN" sz="2400" dirty="0" err="1">
-                <a:latin typeface="Times New Roman" panose="02020603050405020304" pitchFamily="18" charset="0"/>
-                <a:cs typeface="Times New Roman" panose="02020603050405020304" pitchFamily="18" charset="0"/>
-              </a:rPr>
-              <a:t>usepackage</a:t>
-            </a:r>
-            <a:r>
-              <a:rPr lang="en-IN" sz="2400" dirty="0">
-                <a:latin typeface="Times New Roman" panose="02020603050405020304" pitchFamily="18" charset="0"/>
-                <a:cs typeface="Times New Roman" panose="02020603050405020304" pitchFamily="18" charset="0"/>
-              </a:rPr>
-              <a:t>{</a:t>
-            </a:r>
-            <a:r>
-              <a:rPr lang="en-IN" sz="2400" dirty="0" err="1">
-                <a:latin typeface="Times New Roman" panose="02020603050405020304" pitchFamily="18" charset="0"/>
-                <a:cs typeface="Times New Roman" panose="02020603050405020304" pitchFamily="18" charset="0"/>
-              </a:rPr>
-              <a:t>graphicx</a:t>
-            </a:r>
-            <a:r>
-              <a:rPr lang="en-IN" sz="2400" dirty="0">
-                <a:latin typeface="Times New Roman" panose="02020603050405020304" pitchFamily="18" charset="0"/>
-                <a:cs typeface="Times New Roman" panose="02020603050405020304" pitchFamily="18" charset="0"/>
-              </a:rPr>
-              <a:t>}</a:t>
-            </a:r>
-          </a:p>
-        </p:txBody>
-      </p:sp>
-      <p:sp>
-        <p:nvSpPr>
-          <p:cNvPr id="7" name="Rectangle 6"/>
-          <p:cNvSpPr/>
-          <p:nvPr/>
-        </p:nvSpPr>
-        <p:spPr>
-          <a:xfrm>
-            <a:off x="114298" y="5925235"/>
-            <a:ext cx="11934826" cy="461665"/>
-          </a:xfrm>
-          <a:prstGeom prst="rect">
-            <a:avLst/>
-          </a:prstGeom>
-        </p:spPr>
-        <p:txBody>
-          <a:bodyPr wrap="square">
-            <a:spAutoFit/>
-          </a:bodyPr>
-          <a:lstStyle/>
-          <a:p>
-            <a:r>
-              <a:rPr lang="en-US" sz="2400" dirty="0"/>
-              <a:t>where \</a:t>
-            </a:r>
-            <a:r>
-              <a:rPr lang="en-US" sz="2400" dirty="0" err="1"/>
-              <a:t>documentclass</a:t>
-            </a:r>
-            <a:r>
-              <a:rPr lang="en-US" sz="2400" dirty="0"/>
-              <a:t>[12pt, </a:t>
-            </a:r>
-            <a:r>
-              <a:rPr lang="en-US" sz="2400" dirty="0" err="1"/>
-              <a:t>letterpaper</a:t>
-            </a:r>
-            <a:r>
-              <a:rPr lang="en-US" sz="2400" dirty="0"/>
-              <a:t>]{article} defines the overall class (type) of document.</a:t>
-            </a:r>
-            <a:endParaRPr lang="en-IN" sz="2400" dirty="0"/>
-          </a:p>
-        </p:txBody>
-      </p:sp>
-    </p:spTree>
-    <p:extLst>
-      <p:ext uri="{BB962C8B-B14F-4D97-AF65-F5344CB8AC3E}">
-        <p14:creationId xmlns:p14="http://schemas.microsoft.com/office/powerpoint/2010/main" val="1018644970"/>
-      </p:ext>
-    </p:extLst>
-  </p:cSld>
-  <p:clrMapOvr>
-    <a:masterClrMapping/>
-  </p:clrMapOvr>
-  <p:timing>
-    <p:tnLst>
-      <p:par>
-        <p:cTn id="1" dur="indefinite" restart="never" nodeType="tmRoot"/>
-      </p:par>
-    </p:tnLst>
-  </p:timing>
-</p:sld>
-</file>
-
 <file path=ppt/slides/slide6.xml><?xml version="1.0" encoding="utf-8"?>
 <p:sld xmlns:a="http://schemas.openxmlformats.org/drawingml/2006/main" xmlns:r="http://schemas.openxmlformats.org/officeDocument/2006/relationships" xmlns:p="http://schemas.openxmlformats.org/presentationml/2006/main">
   <p:cSld>
@@ -4753,8 +5004,8 @@
         </p:nvSpPr>
         <p:spPr>
           <a:xfrm>
-            <a:off x="3768855" y="342900"/>
-            <a:ext cx="5984745" cy="584775"/>
+            <a:off x="4407030" y="0"/>
+            <a:ext cx="2546219" cy="584775"/>
           </a:xfrm>
           <a:prstGeom prst="rect">
             <a:avLst/>
@@ -4766,24 +5017,37 @@
           </a:bodyPr>
           <a:lstStyle/>
           <a:p>
-            <a:r>
-              <a:rPr lang="en-US" sz="3200" b="1" dirty="0"/>
-              <a:t>Preamble of a Document</a:t>
-            </a:r>
-            <a:endParaRPr lang="en-US" sz="3200" b="1" dirty="0"/>
-          </a:p>
-        </p:txBody>
-      </p:sp>
-      <p:sp>
-        <p:nvSpPr>
-          <p:cNvPr id="5" name="Rectangle 4"/>
+            <a:pPr algn="just"/>
+            <a:r>
+              <a:rPr lang="en-US" sz="3200" b="1" i="0" dirty="0" smtClean="0">
+                <a:solidFill>
+                  <a:srgbClr val="333333"/>
+                </a:solidFill>
+                <a:effectLst/>
+                <a:latin typeface="Inter-Regular"/>
+              </a:rPr>
+              <a:t>Explanation</a:t>
+            </a:r>
+            <a:endParaRPr lang="en-US" sz="3200" b="0" i="0" dirty="0" smtClean="0">
+              <a:solidFill>
+                <a:srgbClr val="333333"/>
+              </a:solidFill>
+              <a:effectLst/>
+              <a:latin typeface="Inter-Regular"/>
+            </a:endParaRPr>
+          </a:p>
+        </p:txBody>
+      </p:sp>
+      <p:sp>
+        <p:nvSpPr>
+          <p:cNvPr id="3" name="Rectangle 2"/>
           <p:cNvSpPr/>
           <p:nvPr/>
         </p:nvSpPr>
         <p:spPr>
           <a:xfrm>
-            <a:off x="561975" y="1394163"/>
-            <a:ext cx="11372850" cy="2308324"/>
+            <a:off x="600074" y="924610"/>
+            <a:ext cx="11496675" cy="1631216"/>
           </a:xfrm>
           <a:prstGeom prst="rect">
             <a:avLst/>
@@ -4795,157 +5059,86 @@
           </a:bodyPr>
           <a:lstStyle/>
           <a:p>
-            <a:r>
-              <a:rPr lang="en-US" sz="2400" dirty="0">
+            <a:pPr marL="342900" indent="-342900">
+              <a:buFont typeface="Wingdings" panose="05000000000000000000" pitchFamily="2" charset="2"/>
+              <a:buChar char="§"/>
+            </a:pPr>
+            <a:r>
+              <a:rPr lang="en-US" sz="2000" dirty="0">
                 <a:latin typeface="Times New Roman" panose="02020603050405020304" pitchFamily="18" charset="0"/>
                 <a:cs typeface="Times New Roman" panose="02020603050405020304" pitchFamily="18" charset="0"/>
               </a:rPr>
-              <a:t>In this example, the two parameters do the following:</a:t>
-            </a:r>
-          </a:p>
-          <a:p>
-            <a:endParaRPr lang="en-US" sz="2400" dirty="0">
+              <a:t>The first line of code, \</a:t>
+            </a:r>
+            <a:r>
+              <a:rPr lang="en-US" sz="2000" dirty="0" err="1">
+                <a:latin typeface="Times New Roman" panose="02020603050405020304" pitchFamily="18" charset="0"/>
+                <a:cs typeface="Times New Roman" panose="02020603050405020304" pitchFamily="18" charset="0"/>
+              </a:rPr>
+              <a:t>documentclass</a:t>
+            </a:r>
+            <a:r>
+              <a:rPr lang="en-US" sz="2000" dirty="0">
+                <a:latin typeface="Times New Roman" panose="02020603050405020304" pitchFamily="18" charset="0"/>
+                <a:cs typeface="Times New Roman" panose="02020603050405020304" pitchFamily="18" charset="0"/>
+              </a:rPr>
+              <a:t>{article}, declares the document type known as its </a:t>
+            </a:r>
+            <a:r>
+              <a:rPr lang="en-US" sz="2000" dirty="0" smtClean="0">
+                <a:latin typeface="Times New Roman" panose="02020603050405020304" pitchFamily="18" charset="0"/>
+                <a:cs typeface="Times New Roman" panose="02020603050405020304" pitchFamily="18" charset="0"/>
+              </a:rPr>
+              <a:t>class.</a:t>
+            </a:r>
+            <a:r>
+              <a:rPr lang="en-US" sz="2000" dirty="0">
+                <a:latin typeface="Times New Roman" panose="02020603050405020304" pitchFamily="18" charset="0"/>
+                <a:cs typeface="Times New Roman" panose="02020603050405020304" pitchFamily="18" charset="0"/>
+              </a:rPr>
+              <a:t> which controls the overall appearance of the document. Different types of documents require different </a:t>
+            </a:r>
+            <a:r>
+              <a:rPr lang="en-US" sz="2000" dirty="0" smtClean="0">
+                <a:latin typeface="Times New Roman" panose="02020603050405020304" pitchFamily="18" charset="0"/>
+                <a:cs typeface="Times New Roman" panose="02020603050405020304" pitchFamily="18" charset="0"/>
+              </a:rPr>
+              <a:t>classes.</a:t>
+            </a:r>
+          </a:p>
+          <a:p>
+            <a:pPr marL="342900" indent="-342900">
+              <a:buFont typeface="Wingdings" panose="05000000000000000000" pitchFamily="2" charset="2"/>
+              <a:buChar char="§"/>
+            </a:pPr>
+            <a:endParaRPr lang="en-US" sz="2000" dirty="0">
               <a:latin typeface="Times New Roman" panose="02020603050405020304" pitchFamily="18" charset="0"/>
               <a:cs typeface="Times New Roman" panose="02020603050405020304" pitchFamily="18" charset="0"/>
             </a:endParaRPr>
           </a:p>
           <a:p>
-            <a:r>
-              <a:rPr lang="en-US" sz="2400" dirty="0">
+            <a:pPr marL="342900" indent="-342900">
+              <a:buFont typeface="Wingdings" panose="05000000000000000000" pitchFamily="2" charset="2"/>
+              <a:buChar char="§"/>
+            </a:pPr>
+            <a:r>
+              <a:rPr lang="en-US" sz="2000" dirty="0">
                 <a:latin typeface="Times New Roman" panose="02020603050405020304" pitchFamily="18" charset="0"/>
                 <a:cs typeface="Times New Roman" panose="02020603050405020304" pitchFamily="18" charset="0"/>
               </a:rPr>
-              <a:t>12pt sets the font size</a:t>
-            </a:r>
-          </a:p>
-          <a:p>
-            <a:r>
-              <a:rPr lang="en-US" sz="2400" dirty="0" err="1">
-                <a:latin typeface="Times New Roman" panose="02020603050405020304" pitchFamily="18" charset="0"/>
-                <a:cs typeface="Times New Roman" panose="02020603050405020304" pitchFamily="18" charset="0"/>
-              </a:rPr>
-              <a:t>letterpaper</a:t>
-            </a:r>
-            <a:r>
-              <a:rPr lang="en-US" sz="2400" dirty="0">
-                <a:latin typeface="Times New Roman" panose="02020603050405020304" pitchFamily="18" charset="0"/>
-                <a:cs typeface="Times New Roman" panose="02020603050405020304" pitchFamily="18" charset="0"/>
-              </a:rPr>
-              <a:t> sets the paper size</a:t>
-            </a:r>
-          </a:p>
-          <a:p>
-            <a:r>
-              <a:rPr lang="en-US" sz="2400" dirty="0">
-                <a:latin typeface="Times New Roman" panose="02020603050405020304" pitchFamily="18" charset="0"/>
-                <a:cs typeface="Times New Roman" panose="02020603050405020304" pitchFamily="18" charset="0"/>
-              </a:rPr>
-              <a:t>Of course other font sizes, 9pt, 11pt, 12pt, can be used, but if none is specified, the default size is 10pt. As for the paper size, other possible values are a4paper and </a:t>
-            </a:r>
-            <a:r>
-              <a:rPr lang="en-US" sz="2400" dirty="0" err="1">
-                <a:latin typeface="Times New Roman" panose="02020603050405020304" pitchFamily="18" charset="0"/>
-                <a:cs typeface="Times New Roman" panose="02020603050405020304" pitchFamily="18" charset="0"/>
-              </a:rPr>
-              <a:t>legalpaper</a:t>
-            </a:r>
-            <a:r>
-              <a:rPr lang="en-US" sz="2400" dirty="0">
-                <a:latin typeface="Times New Roman" panose="02020603050405020304" pitchFamily="18" charset="0"/>
-                <a:cs typeface="Times New Roman" panose="02020603050405020304" pitchFamily="18" charset="0"/>
-              </a:rPr>
-              <a:t>. </a:t>
-            </a:r>
-            <a:endParaRPr lang="en-IN" sz="2400" dirty="0">
+              <a:t>Having set the document class, our content, known as the body of the document, is written between the \begin{document} and \end{document} tags. </a:t>
+            </a:r>
+            <a:endParaRPr lang="en-IN" sz="2000" dirty="0">
               <a:latin typeface="Times New Roman" panose="02020603050405020304" pitchFamily="18" charset="0"/>
               <a:cs typeface="Times New Roman" panose="02020603050405020304" pitchFamily="18" charset="0"/>
             </a:endParaRPr>
           </a:p>
         </p:txBody>
       </p:sp>
-      <p:sp>
-        <p:nvSpPr>
-          <p:cNvPr id="7" name="Rectangle 6"/>
-          <p:cNvSpPr/>
-          <p:nvPr/>
-        </p:nvSpPr>
-        <p:spPr>
-          <a:xfrm>
-            <a:off x="561975" y="4076611"/>
-            <a:ext cx="10337670" cy="2215991"/>
-          </a:xfrm>
-          <a:prstGeom prst="rect">
-            <a:avLst/>
-          </a:prstGeom>
-        </p:spPr>
-        <p:txBody>
-          <a:bodyPr wrap="square">
-            <a:spAutoFit/>
-          </a:bodyPr>
-          <a:lstStyle/>
-          <a:p>
-            <a:r>
-              <a:rPr lang="en-IN" sz="2400" dirty="0"/>
-              <a:t>The preamble line</a:t>
-            </a:r>
-          </a:p>
-          <a:p>
-            <a:endParaRPr lang="en-IN" sz="2400" dirty="0"/>
-          </a:p>
-          <a:p>
-            <a:r>
-              <a:rPr lang="en-IN" sz="2400" dirty="0" smtClean="0"/>
-              <a:t>\</a:t>
-            </a:r>
-            <a:r>
-              <a:rPr lang="en-IN" sz="2400" dirty="0" err="1"/>
-              <a:t>usepackage</a:t>
-            </a:r>
-            <a:r>
-              <a:rPr lang="en-IN" sz="2400" dirty="0"/>
-              <a:t>{</a:t>
-            </a:r>
-            <a:r>
-              <a:rPr lang="en-IN" sz="2400" dirty="0" err="1"/>
-              <a:t>graphicx</a:t>
-            </a:r>
-            <a:r>
-              <a:rPr lang="en-IN" sz="2400" dirty="0" smtClean="0"/>
-              <a:t>}</a:t>
-            </a:r>
-          </a:p>
-          <a:p>
-            <a:endParaRPr lang="en-US" dirty="0"/>
-          </a:p>
-          <a:p>
-            <a:r>
-              <a:rPr lang="en-US" sz="2400" dirty="0"/>
-              <a:t>is an example of loading an external package (here, </a:t>
-            </a:r>
-            <a:r>
-              <a:rPr lang="en-US" sz="2400" dirty="0" err="1"/>
-              <a:t>graphicx</a:t>
-            </a:r>
-            <a:r>
-              <a:rPr lang="en-US" sz="2400" dirty="0"/>
-              <a:t>) to extend </a:t>
-            </a:r>
-            <a:r>
-              <a:rPr lang="en-US" sz="2400" dirty="0" err="1"/>
-              <a:t>LaTeX’s</a:t>
-            </a:r>
-            <a:r>
-              <a:rPr lang="en-US" sz="2400" dirty="0"/>
-              <a:t> capabilities, enabling it to import external graphics files</a:t>
-            </a:r>
-            <a:endParaRPr lang="en-IN" sz="2400" dirty="0"/>
-          </a:p>
-        </p:txBody>
-      </p:sp>
     </p:spTree>
     <p:extLst>
       <p:ext uri="{BB962C8B-B14F-4D97-AF65-F5344CB8AC3E}">
-        <p14:creationId xmlns:p14="http://schemas.microsoft.com/office/powerpoint/2010/main" val="2748660763"/>
+        <p14:creationId xmlns:p14="http://schemas.microsoft.com/office/powerpoint/2010/main" val="3694253032"/>
       </p:ext>
     </p:extLst>
   </p:cSld>
@@ -4987,8 +5180,8 @@
         </p:nvSpPr>
         <p:spPr>
           <a:xfrm>
-            <a:off x="3416430" y="228600"/>
-            <a:ext cx="6118095" cy="584775"/>
+            <a:off x="3692655" y="76200"/>
+            <a:ext cx="6022845" cy="584775"/>
           </a:xfrm>
           <a:prstGeom prst="rect">
             <a:avLst/>
@@ -5000,37 +5193,32 @@
           </a:bodyPr>
           <a:lstStyle/>
           <a:p>
-            <a:pPr algn="just"/>
-            <a:r>
-              <a:rPr lang="en-US" sz="3200" b="1" i="0" dirty="0" smtClean="0">
-                <a:solidFill>
-                  <a:srgbClr val="333333"/>
-                </a:solidFill>
-                <a:effectLst/>
-                <a:latin typeface="Inter-Regular"/>
-              </a:rPr>
-              <a:t>Explanation about Formatting </a:t>
-            </a:r>
-            <a:endParaRPr lang="en-US" sz="3200" b="0" i="0" dirty="0" smtClean="0">
-              <a:solidFill>
-                <a:srgbClr val="333333"/>
-              </a:solidFill>
-              <a:effectLst/>
-              <a:latin typeface="Inter-Regular"/>
-            </a:endParaRPr>
-          </a:p>
-        </p:txBody>
-      </p:sp>
-      <p:sp>
-        <p:nvSpPr>
-          <p:cNvPr id="2" name="Rectangle 1"/>
+            <a:r>
+              <a:rPr lang="en-US" sz="3200" b="1" dirty="0" smtClean="0"/>
+              <a:t>Preamble </a:t>
+            </a:r>
+            <a:r>
+              <a:rPr lang="en-US" sz="3200" b="1" dirty="0"/>
+              <a:t>of a </a:t>
+            </a:r>
+            <a:r>
+              <a:rPr lang="en-US" sz="3200" b="1" dirty="0" smtClean="0"/>
+              <a:t>Document</a:t>
+            </a:r>
+            <a:endParaRPr lang="en-US" sz="3200" b="1" dirty="0"/>
+          </a:p>
+        </p:txBody>
+      </p:sp>
+      <p:sp>
+        <p:nvSpPr>
+          <p:cNvPr id="3" name="Rectangle 2"/>
           <p:cNvSpPr/>
           <p:nvPr/>
         </p:nvSpPr>
         <p:spPr>
           <a:xfrm>
-            <a:off x="561974" y="1206490"/>
-            <a:ext cx="11249025" cy="3416320"/>
+            <a:off x="333374" y="1162735"/>
+            <a:ext cx="11496675" cy="1938992"/>
           </a:xfrm>
           <a:prstGeom prst="rect">
             <a:avLst/>
@@ -5042,239 +5230,240 @@
           </a:bodyPr>
           <a:lstStyle/>
           <a:p>
-            <a:pPr algn="just">
-              <a:buFont typeface="Arial" panose="020B0604020202020204" pitchFamily="34" charset="0"/>
-              <a:buChar char="•"/>
+            <a:pPr marL="342900" indent="-342900">
+              <a:buFont typeface="Wingdings" panose="05000000000000000000" pitchFamily="2" charset="2"/>
+              <a:buChar char="§"/>
             </a:pPr>
             <a:r>
-              <a:rPr lang="en-US" b="1" i="0" dirty="0" smtClean="0">
-                <a:solidFill>
-                  <a:srgbClr val="333333"/>
-                </a:solidFill>
-                <a:effectLst/>
-                <a:latin typeface="Inter-Regular"/>
+              <a:rPr lang="en-US" sz="2400" dirty="0">
+                <a:latin typeface="Times New Roman" panose="02020603050405020304" pitchFamily="18" charset="0"/>
+                <a:cs typeface="Times New Roman" panose="02020603050405020304" pitchFamily="18" charset="0"/>
+              </a:rPr>
+              <a:t>The preamble allows you to define the type of document, author, date, language, and load in </a:t>
+            </a:r>
+            <a:r>
+              <a:rPr lang="en-US" sz="2400" dirty="0" err="1">
+                <a:latin typeface="Times New Roman" panose="02020603050405020304" pitchFamily="18" charset="0"/>
+                <a:cs typeface="Times New Roman" panose="02020603050405020304" pitchFamily="18" charset="0"/>
+              </a:rPr>
+              <a:t>LaTex</a:t>
+            </a:r>
+            <a:r>
+              <a:rPr lang="en-US" sz="2400" dirty="0">
+                <a:latin typeface="Times New Roman" panose="02020603050405020304" pitchFamily="18" charset="0"/>
+                <a:cs typeface="Times New Roman" panose="02020603050405020304" pitchFamily="18" charset="0"/>
+              </a:rPr>
+              <a:t> packages that you want to use in the document</a:t>
+            </a:r>
+            <a:r>
+              <a:rPr lang="en-US" sz="2400" dirty="0" smtClean="0">
+                <a:latin typeface="Times New Roman" panose="02020603050405020304" pitchFamily="18" charset="0"/>
+                <a:cs typeface="Times New Roman" panose="02020603050405020304" pitchFamily="18" charset="0"/>
+              </a:rPr>
+              <a:t>.</a:t>
+            </a:r>
+          </a:p>
+          <a:p>
+            <a:pPr marL="342900" indent="-342900">
+              <a:buFont typeface="Wingdings" panose="05000000000000000000" pitchFamily="2" charset="2"/>
+              <a:buChar char="§"/>
+            </a:pPr>
+            <a:endParaRPr lang="en-US" sz="2400" dirty="0">
+              <a:latin typeface="Times New Roman" panose="02020603050405020304" pitchFamily="18" charset="0"/>
+              <a:cs typeface="Times New Roman" panose="02020603050405020304" pitchFamily="18" charset="0"/>
+            </a:endParaRPr>
+          </a:p>
+          <a:p>
+            <a:pPr marL="342900" indent="-342900">
+              <a:buFont typeface="Wingdings" panose="05000000000000000000" pitchFamily="2" charset="2"/>
+              <a:buChar char="§"/>
+            </a:pPr>
+            <a:r>
+              <a:rPr lang="en-US" sz="2400" dirty="0" smtClean="0">
+                <a:latin typeface="Times New Roman" panose="02020603050405020304" pitchFamily="18" charset="0"/>
+                <a:cs typeface="Times New Roman" panose="02020603050405020304" pitchFamily="18" charset="0"/>
+              </a:rPr>
+              <a:t> </a:t>
+            </a:r>
+            <a:r>
+              <a:rPr lang="en-US" sz="2400" dirty="0">
+                <a:latin typeface="Times New Roman" panose="02020603050405020304" pitchFamily="18" charset="0"/>
+                <a:cs typeface="Times New Roman" panose="02020603050405020304" pitchFamily="18" charset="0"/>
+              </a:rPr>
+              <a:t>After we have included a preamble, we can go ahead and start the main text of our document. We can add things like a title, abstract, and table of contents</a:t>
+            </a:r>
+            <a:endParaRPr lang="en-IN" sz="2400" dirty="0">
+              <a:latin typeface="Times New Roman" panose="02020603050405020304" pitchFamily="18" charset="0"/>
+              <a:cs typeface="Times New Roman" panose="02020603050405020304" pitchFamily="18" charset="0"/>
+            </a:endParaRPr>
+          </a:p>
+        </p:txBody>
+      </p:sp>
+      <p:sp>
+        <p:nvSpPr>
+          <p:cNvPr id="5" name="Rectangle 4"/>
+          <p:cNvSpPr/>
+          <p:nvPr/>
+        </p:nvSpPr>
+        <p:spPr>
+          <a:xfrm>
+            <a:off x="333374" y="3603487"/>
+            <a:ext cx="6096000" cy="1938992"/>
+          </a:xfrm>
+          <a:prstGeom prst="rect">
+            <a:avLst/>
+          </a:prstGeom>
+          <a:ln w="19050">
+            <a:solidFill>
+              <a:schemeClr val="tx1"/>
+            </a:solidFill>
+          </a:ln>
+        </p:spPr>
+        <p:txBody>
+          <a:bodyPr>
+            <a:spAutoFit/>
+          </a:bodyPr>
+          <a:lstStyle/>
+          <a:p>
+            <a:r>
+              <a:rPr lang="en-IN" sz="2400" dirty="0">
+                <a:latin typeface="Times New Roman" panose="02020603050405020304" pitchFamily="18" charset="0"/>
+                <a:cs typeface="Times New Roman" panose="02020603050405020304" pitchFamily="18" charset="0"/>
+              </a:rPr>
+              <a:t>A minimal document preamble might look like this:</a:t>
+            </a:r>
+          </a:p>
+          <a:p>
+            <a:endParaRPr lang="en-IN" sz="2400" dirty="0">
+              <a:latin typeface="Times New Roman" panose="02020603050405020304" pitchFamily="18" charset="0"/>
+              <a:cs typeface="Times New Roman" panose="02020603050405020304" pitchFamily="18" charset="0"/>
+            </a:endParaRPr>
+          </a:p>
+          <a:p>
+            <a:r>
+              <a:rPr lang="en-IN" sz="2400" dirty="0" smtClean="0">
+                <a:latin typeface="Times New Roman" panose="02020603050405020304" pitchFamily="18" charset="0"/>
+                <a:cs typeface="Times New Roman" panose="02020603050405020304" pitchFamily="18" charset="0"/>
               </a:rPr>
               <a:t>\</a:t>
             </a:r>
             <a:r>
-              <a:rPr lang="en-US" b="0" i="0" dirty="0" smtClean="0">
-                <a:solidFill>
-                  <a:srgbClr val="333333"/>
-                </a:solidFill>
-                <a:effectLst/>
-                <a:latin typeface="Inter-Regular"/>
-              </a:rPr>
-              <a:t> it is called backslash, used as the starting command. The line following it gets printed.</a:t>
-            </a:r>
-          </a:p>
-          <a:p>
-            <a:pPr algn="just">
-              <a:buFont typeface="Arial" panose="020B0604020202020204" pitchFamily="34" charset="0"/>
-              <a:buChar char="•"/>
-            </a:pPr>
-            <a:endParaRPr lang="en-US" b="0" i="0" dirty="0" smtClean="0">
-              <a:solidFill>
-                <a:srgbClr val="333333"/>
-              </a:solidFill>
-              <a:effectLst/>
-              <a:latin typeface="Inter-Regular"/>
-            </a:endParaRPr>
-          </a:p>
-          <a:p>
-            <a:pPr algn="just">
-              <a:buFont typeface="Arial" panose="020B0604020202020204" pitchFamily="34" charset="0"/>
-              <a:buChar char="•"/>
-            </a:pPr>
-            <a:r>
-              <a:rPr lang="en-US" b="1" i="0" dirty="0" smtClean="0">
-                <a:solidFill>
-                  <a:srgbClr val="333333"/>
-                </a:solidFill>
-                <a:effectLst/>
-                <a:latin typeface="Inter-Regular"/>
-              </a:rPr>
-              <a:t>{}</a:t>
-            </a:r>
-            <a:r>
-              <a:rPr lang="en-US" b="0" i="0" dirty="0" smtClean="0">
-                <a:solidFill>
-                  <a:srgbClr val="333333"/>
-                </a:solidFill>
-                <a:effectLst/>
-                <a:latin typeface="Inter-Regular"/>
-              </a:rPr>
-              <a:t> it is called curly brackets, which is used to group and separate commands from its surroundings and must appear in pairs.</a:t>
-            </a:r>
-          </a:p>
-          <a:p>
-            <a:pPr algn="just">
-              <a:buFont typeface="Arial" panose="020B0604020202020204" pitchFamily="34" charset="0"/>
-              <a:buChar char="•"/>
-            </a:pPr>
-            <a:endParaRPr lang="en-US" b="0" i="0" dirty="0" smtClean="0">
-              <a:solidFill>
-                <a:srgbClr val="333333"/>
-              </a:solidFill>
-              <a:effectLst/>
-              <a:latin typeface="Inter-Regular"/>
-            </a:endParaRPr>
-          </a:p>
-          <a:p>
-            <a:pPr algn="just">
-              <a:buFont typeface="Arial" panose="020B0604020202020204" pitchFamily="34" charset="0"/>
-              <a:buChar char="•"/>
-            </a:pPr>
-            <a:r>
-              <a:rPr lang="en-US" b="1" i="0" dirty="0" smtClean="0">
-                <a:solidFill>
-                  <a:srgbClr val="333333"/>
-                </a:solidFill>
-                <a:effectLst/>
-                <a:latin typeface="Inter-Regular"/>
-              </a:rPr>
-              <a:t>\\</a:t>
-            </a:r>
-            <a:r>
-              <a:rPr lang="en-US" b="0" i="0" dirty="0" smtClean="0">
-                <a:solidFill>
-                  <a:srgbClr val="333333"/>
-                </a:solidFill>
-                <a:effectLst/>
-                <a:latin typeface="Inter-Regular"/>
-              </a:rPr>
-              <a:t> terminates a line.</a:t>
-            </a:r>
-          </a:p>
-          <a:p>
-            <a:pPr algn="just">
-              <a:buFont typeface="Arial" panose="020B0604020202020204" pitchFamily="34" charset="0"/>
-              <a:buChar char="•"/>
-            </a:pPr>
-            <a:endParaRPr lang="en-US" b="0" i="0" dirty="0" smtClean="0">
-              <a:solidFill>
-                <a:srgbClr val="333333"/>
-              </a:solidFill>
-              <a:effectLst/>
-              <a:latin typeface="Inter-Regular"/>
-            </a:endParaRPr>
-          </a:p>
-          <a:p>
-            <a:pPr algn="just">
-              <a:buFont typeface="Arial" panose="020B0604020202020204" pitchFamily="34" charset="0"/>
-              <a:buChar char="•"/>
-            </a:pPr>
-            <a:r>
-              <a:rPr lang="en-US" b="1" i="0" dirty="0" smtClean="0">
-                <a:solidFill>
-                  <a:srgbClr val="333333"/>
-                </a:solidFill>
-                <a:effectLst/>
-                <a:latin typeface="Inter-Regular"/>
-              </a:rPr>
-              <a:t>\\*</a:t>
-            </a:r>
-            <a:r>
-              <a:rPr lang="en-US" b="0" i="0" dirty="0" smtClean="0">
-                <a:solidFill>
-                  <a:srgbClr val="333333"/>
-                </a:solidFill>
-                <a:effectLst/>
-                <a:latin typeface="Inter-Regular"/>
-              </a:rPr>
-              <a:t> it also terminates the line, but disallows the page break.</a:t>
-            </a:r>
-          </a:p>
-          <a:p>
-            <a:pPr algn="just">
-              <a:buFont typeface="Arial" panose="020B0604020202020204" pitchFamily="34" charset="0"/>
-              <a:buChar char="•"/>
-            </a:pPr>
-            <a:endParaRPr lang="en-US" b="0" i="0" dirty="0" smtClean="0">
-              <a:solidFill>
-                <a:srgbClr val="333333"/>
-              </a:solidFill>
-              <a:effectLst/>
-              <a:latin typeface="Inter-Regular"/>
-            </a:endParaRPr>
-          </a:p>
-          <a:p>
-            <a:pPr algn="just">
-              <a:buFont typeface="Arial" panose="020B0604020202020204" pitchFamily="34" charset="0"/>
-              <a:buChar char="•"/>
-            </a:pPr>
-            <a:r>
-              <a:rPr lang="en-US" b="1" i="0" dirty="0" smtClean="0">
-                <a:solidFill>
-                  <a:srgbClr val="333333"/>
-                </a:solidFill>
-                <a:effectLst/>
-                <a:latin typeface="Inter-Regular"/>
-              </a:rPr>
-              <a:t>[]</a:t>
-            </a:r>
-            <a:r>
-              <a:rPr lang="en-US" b="0" i="0" dirty="0" smtClean="0">
-                <a:solidFill>
-                  <a:srgbClr val="333333"/>
-                </a:solidFill>
-                <a:effectLst/>
-                <a:latin typeface="Inter-Regular"/>
-              </a:rPr>
-              <a:t> it is used to write the optional parameters that can be passed to a command to change its behavior.</a:t>
-            </a:r>
-          </a:p>
-          <a:p>
-            <a:pPr algn="just">
-              <a:buFont typeface="Arial" panose="020B0604020202020204" pitchFamily="34" charset="0"/>
-              <a:buChar char="•"/>
-            </a:pPr>
-            <a:endParaRPr lang="en-US" b="0" i="0" dirty="0" smtClean="0">
-              <a:solidFill>
-                <a:srgbClr val="333333"/>
-              </a:solidFill>
-              <a:effectLst/>
-              <a:latin typeface="Inter-Regular"/>
-            </a:endParaRPr>
-          </a:p>
-          <a:p>
-            <a:pPr algn="just">
-              <a:buFont typeface="Arial" panose="020B0604020202020204" pitchFamily="34" charset="0"/>
-              <a:buChar char="•"/>
-            </a:pPr>
-            <a:r>
-              <a:rPr lang="en-US" b="1" i="0" dirty="0" smtClean="0">
-                <a:solidFill>
-                  <a:srgbClr val="333333"/>
-                </a:solidFill>
-                <a:effectLst/>
-                <a:latin typeface="Inter-Regular"/>
-              </a:rPr>
-              <a:t>%</a:t>
-            </a:r>
-            <a:r>
-              <a:rPr lang="en-US" b="0" i="0" dirty="0" smtClean="0">
-                <a:solidFill>
-                  <a:srgbClr val="333333"/>
-                </a:solidFill>
-                <a:effectLst/>
-                <a:latin typeface="Inter-Regular"/>
-              </a:rPr>
-              <a:t> the Latex ignores the rest of the line or commands after %.</a:t>
-            </a:r>
-            <a:endParaRPr lang="en-US" b="0" i="0" dirty="0">
-              <a:solidFill>
-                <a:srgbClr val="333333"/>
-              </a:solidFill>
-              <a:effectLst/>
-              <a:latin typeface="Inter-Regular"/>
-            </a:endParaRPr>
+              <a:rPr lang="en-IN" sz="2400" dirty="0" err="1">
+                <a:latin typeface="Times New Roman" panose="02020603050405020304" pitchFamily="18" charset="0"/>
+                <a:cs typeface="Times New Roman" panose="02020603050405020304" pitchFamily="18" charset="0"/>
+              </a:rPr>
+              <a:t>documentclass</a:t>
+            </a:r>
+            <a:r>
+              <a:rPr lang="en-IN" sz="2400" dirty="0">
+                <a:latin typeface="Times New Roman" panose="02020603050405020304" pitchFamily="18" charset="0"/>
+                <a:cs typeface="Times New Roman" panose="02020603050405020304" pitchFamily="18" charset="0"/>
+              </a:rPr>
+              <a:t>[12pt, </a:t>
+            </a:r>
+            <a:r>
+              <a:rPr lang="en-IN" sz="2400" dirty="0" err="1">
+                <a:latin typeface="Times New Roman" panose="02020603050405020304" pitchFamily="18" charset="0"/>
+                <a:cs typeface="Times New Roman" panose="02020603050405020304" pitchFamily="18" charset="0"/>
+              </a:rPr>
+              <a:t>letterpaper</a:t>
+            </a:r>
+            <a:r>
+              <a:rPr lang="en-IN" sz="2400" dirty="0">
+                <a:latin typeface="Times New Roman" panose="02020603050405020304" pitchFamily="18" charset="0"/>
+                <a:cs typeface="Times New Roman" panose="02020603050405020304" pitchFamily="18" charset="0"/>
+              </a:rPr>
+              <a:t>]{article}</a:t>
+            </a:r>
+          </a:p>
+          <a:p>
+            <a:r>
+              <a:rPr lang="en-IN" sz="2400" dirty="0">
+                <a:latin typeface="Times New Roman" panose="02020603050405020304" pitchFamily="18" charset="0"/>
+                <a:cs typeface="Times New Roman" panose="02020603050405020304" pitchFamily="18" charset="0"/>
+              </a:rPr>
+              <a:t>\</a:t>
+            </a:r>
+            <a:r>
+              <a:rPr lang="en-IN" sz="2400" dirty="0" err="1">
+                <a:latin typeface="Times New Roman" panose="02020603050405020304" pitchFamily="18" charset="0"/>
+                <a:cs typeface="Times New Roman" panose="02020603050405020304" pitchFamily="18" charset="0"/>
+              </a:rPr>
+              <a:t>usepackage</a:t>
+            </a:r>
+            <a:r>
+              <a:rPr lang="en-IN" sz="2400" dirty="0">
+                <a:latin typeface="Times New Roman" panose="02020603050405020304" pitchFamily="18" charset="0"/>
+                <a:cs typeface="Times New Roman" panose="02020603050405020304" pitchFamily="18" charset="0"/>
+              </a:rPr>
+              <a:t>{</a:t>
+            </a:r>
+            <a:r>
+              <a:rPr lang="en-IN" sz="2400" dirty="0" err="1">
+                <a:latin typeface="Times New Roman" panose="02020603050405020304" pitchFamily="18" charset="0"/>
+                <a:cs typeface="Times New Roman" panose="02020603050405020304" pitchFamily="18" charset="0"/>
+              </a:rPr>
+              <a:t>graphicx</a:t>
+            </a:r>
+            <a:r>
+              <a:rPr lang="en-IN" sz="2400" dirty="0">
+                <a:latin typeface="Times New Roman" panose="02020603050405020304" pitchFamily="18" charset="0"/>
+                <a:cs typeface="Times New Roman" panose="02020603050405020304" pitchFamily="18" charset="0"/>
+              </a:rPr>
+              <a:t>}</a:t>
+            </a:r>
+          </a:p>
+        </p:txBody>
+      </p:sp>
+      <p:sp>
+        <p:nvSpPr>
+          <p:cNvPr id="7" name="Rectangle 6"/>
+          <p:cNvSpPr/>
+          <p:nvPr/>
+        </p:nvSpPr>
+        <p:spPr>
+          <a:xfrm>
+            <a:off x="114298" y="5925235"/>
+            <a:ext cx="11934826" cy="461665"/>
+          </a:xfrm>
+          <a:prstGeom prst="rect">
+            <a:avLst/>
+          </a:prstGeom>
+        </p:spPr>
+        <p:txBody>
+          <a:bodyPr wrap="square">
+            <a:spAutoFit/>
+          </a:bodyPr>
+          <a:lstStyle/>
+          <a:p>
+            <a:r>
+              <a:rPr lang="en-US" sz="2400" dirty="0"/>
+              <a:t>where \</a:t>
+            </a:r>
+            <a:r>
+              <a:rPr lang="en-US" sz="2400" dirty="0" err="1"/>
+              <a:t>documentclass</a:t>
+            </a:r>
+            <a:r>
+              <a:rPr lang="en-US" sz="2400" dirty="0"/>
+              <a:t>[12pt, </a:t>
+            </a:r>
+            <a:r>
+              <a:rPr lang="en-US" sz="2400" dirty="0" err="1"/>
+              <a:t>letterpaper</a:t>
+            </a:r>
+            <a:r>
+              <a:rPr lang="en-US" sz="2400" dirty="0"/>
+              <a:t>]{article} defines the overall class (type) of document.</a:t>
+            </a:r>
+            <a:endParaRPr lang="en-IN" sz="2400" dirty="0"/>
           </a:p>
         </p:txBody>
       </p:sp>
     </p:spTree>
     <p:extLst>
       <p:ext uri="{BB962C8B-B14F-4D97-AF65-F5344CB8AC3E}">
-        <p14:creationId xmlns:p14="http://schemas.microsoft.com/office/powerpoint/2010/main" val="1385353056"/>
+        <p14:creationId xmlns:p14="http://schemas.microsoft.com/office/powerpoint/2010/main" val="1018644970"/>
       </p:ext>
     </p:extLst>
   </p:cSld>
@@ -5316,8 +5505,8 @@
         </p:nvSpPr>
         <p:spPr>
           <a:xfrm>
-            <a:off x="1476376" y="171450"/>
-            <a:ext cx="9982200" cy="584775"/>
+            <a:off x="3768855" y="342900"/>
+            <a:ext cx="5984745" cy="584775"/>
           </a:xfrm>
           <a:prstGeom prst="rect">
             <a:avLst/>
@@ -5331,21 +5520,21 @@
           <a:p>
             <a:r>
               <a:rPr lang="en-US" sz="3200" b="1" dirty="0"/>
-              <a:t>Including title, author and date information</a:t>
-            </a:r>
-          </a:p>
-        </p:txBody>
-      </p:sp>
-      <p:sp>
-        <p:nvSpPr>
-          <p:cNvPr id="3" name="Rectangle 2"/>
+              <a:t>Preamble of a Document</a:t>
+            </a:r>
+          </a:p>
+        </p:txBody>
+      </p:sp>
+      <p:sp>
+        <p:nvSpPr>
+          <p:cNvPr id="5" name="Rectangle 4"/>
           <p:cNvSpPr/>
           <p:nvPr/>
         </p:nvSpPr>
         <p:spPr>
           <a:xfrm>
-            <a:off x="438150" y="868740"/>
-            <a:ext cx="11563349" cy="4154984"/>
+            <a:off x="561975" y="1394163"/>
+            <a:ext cx="11372850" cy="2308324"/>
           </a:xfrm>
           <a:prstGeom prst="rect">
             <a:avLst/>
@@ -5362,28 +5551,7 @@
                 <a:latin typeface="Times New Roman" panose="02020603050405020304" pitchFamily="18" charset="0"/>
                 <a:cs typeface="Times New Roman" panose="02020603050405020304" pitchFamily="18" charset="0"/>
               </a:rPr>
-              <a:t>\title{My first </a:t>
-            </a:r>
-            <a:r>
-              <a:rPr lang="en-US" sz="2400" dirty="0" err="1">
-                <a:latin typeface="Times New Roman" panose="02020603050405020304" pitchFamily="18" charset="0"/>
-                <a:cs typeface="Times New Roman" panose="02020603050405020304" pitchFamily="18" charset="0"/>
-              </a:rPr>
-              <a:t>LaTeX</a:t>
-            </a:r>
-            <a:r>
-              <a:rPr lang="en-US" sz="2400" dirty="0">
-                <a:latin typeface="Times New Roman" panose="02020603050405020304" pitchFamily="18" charset="0"/>
-                <a:cs typeface="Times New Roman" panose="02020603050405020304" pitchFamily="18" charset="0"/>
-              </a:rPr>
-              <a:t> document}: the document </a:t>
-            </a:r>
-            <a:r>
-              <a:rPr lang="en-US" sz="2400" dirty="0" smtClean="0">
-                <a:latin typeface="Times New Roman" panose="02020603050405020304" pitchFamily="18" charset="0"/>
-                <a:cs typeface="Times New Roman" panose="02020603050405020304" pitchFamily="18" charset="0"/>
-              </a:rPr>
-              <a:t>title</a:t>
+              <a:t>In this example, the two parameters do the following:</a:t>
             </a:r>
           </a:p>
           <a:p>
@@ -5398,43 +5566,24 @@
                 <a:latin typeface="Times New Roman" panose="02020603050405020304" pitchFamily="18" charset="0"/>
                 <a:cs typeface="Times New Roman" panose="02020603050405020304" pitchFamily="18" charset="0"/>
               </a:rPr>
-              <a:t>\author{Hubert Farnsworth}: here you write the name of the author(s) and, optionally, the \thanks command within the curly braces</a:t>
-            </a:r>
-            <a:r>
-              <a:rPr lang="en-US" sz="2400" dirty="0" smtClean="0">
+              <a:t>12pt sets the font size</a:t>
+            </a:r>
+          </a:p>
+          <a:p>
+            <a:r>
+              <a:rPr lang="en-US" sz="2400" dirty="0" err="1">
                 <a:latin typeface="Times New Roman" panose="02020603050405020304" pitchFamily="18" charset="0"/>
                 <a:cs typeface="Times New Roman" panose="02020603050405020304" pitchFamily="18" charset="0"/>
               </a:rPr>
-              <a:t>:</a:t>
-            </a:r>
-          </a:p>
-          <a:p>
-            <a:endParaRPr lang="en-US" sz="2400" dirty="0">
-              <a:latin typeface="Times New Roman" panose="02020603050405020304" pitchFamily="18" charset="0"/>
-              <a:cs typeface="Times New Roman" panose="02020603050405020304" pitchFamily="18" charset="0"/>
-            </a:endParaRPr>
-          </a:p>
-          <a:p>
+              <a:t>letterpaper</a:t>
+            </a:r>
             <a:r>
               <a:rPr lang="en-US" sz="2400" dirty="0">
                 <a:latin typeface="Times New Roman" panose="02020603050405020304" pitchFamily="18" charset="0"/>
                 <a:cs typeface="Times New Roman" panose="02020603050405020304" pitchFamily="18" charset="0"/>
               </a:rPr>
-              <a:t>\thanks{Funded by the Overleaf team.}: can be added after the name of the author, inside the braces of the author command. It will add a superscript and a footnote with the text inside the braces. Useful if you need to thank an institution in your article</a:t>
-            </a:r>
-            <a:r>
-              <a:rPr lang="en-US" sz="2400" dirty="0" smtClean="0">
-                <a:latin typeface="Times New Roman" panose="02020603050405020304" pitchFamily="18" charset="0"/>
-                <a:cs typeface="Times New Roman" panose="02020603050405020304" pitchFamily="18" charset="0"/>
-              </a:rPr>
-              <a:t>.</a:t>
-            </a:r>
-          </a:p>
-          <a:p>
-            <a:endParaRPr lang="en-US" sz="2400" dirty="0">
-              <a:latin typeface="Times New Roman" panose="02020603050405020304" pitchFamily="18" charset="0"/>
-              <a:cs typeface="Times New Roman" panose="02020603050405020304" pitchFamily="18" charset="0"/>
-            </a:endParaRPr>
+              <a:t> sets the paper size</a:t>
+            </a:r>
           </a:p>
           <a:p>
             <a:r>
@@ -5442,7 +5591,21 @@
                 <a:latin typeface="Times New Roman" panose="02020603050405020304" pitchFamily="18" charset="0"/>
                 <a:cs typeface="Times New Roman" panose="02020603050405020304" pitchFamily="18" charset="0"/>
               </a:rPr>
-              <a:t>\date{August 2022}: you can enter the date manually or use the command \today to typeset the current date every time the document is compiled</a:t>
+              <a:t>Of course other font sizes, 9pt, 11pt, 12pt, can be used, but if none is specified, the default size is 10pt. As for the paper size, other possible values are a4paper and </a:t>
+            </a:r>
+            <a:r>
+              <a:rPr lang="en-US" sz="2400" dirty="0" err="1">
+                <a:latin typeface="Times New Roman" panose="02020603050405020304" pitchFamily="18" charset="0"/>
+                <a:cs typeface="Times New Roman" panose="02020603050405020304" pitchFamily="18" charset="0"/>
+              </a:rPr>
+              <a:t>legalpaper</a:t>
+            </a:r>
+            <a:r>
+              <a:rPr lang="en-US" sz="2400" dirty="0">
+                <a:latin typeface="Times New Roman" panose="02020603050405020304" pitchFamily="18" charset="0"/>
+                <a:cs typeface="Times New Roman" panose="02020603050405020304" pitchFamily="18" charset="0"/>
+              </a:rPr>
+              <a:t>. </a:t>
             </a:r>
             <a:endParaRPr lang="en-IN" sz="2400" dirty="0">
               <a:latin typeface="Times New Roman" panose="02020603050405020304" pitchFamily="18" charset="0"/>
@@ -5451,16 +5614,102 @@
           </a:p>
         </p:txBody>
       </p:sp>
+      <p:sp>
+        <p:nvSpPr>
+          <p:cNvPr id="7" name="Rectangle 6"/>
+          <p:cNvSpPr/>
+          <p:nvPr/>
+        </p:nvSpPr>
+        <p:spPr>
+          <a:xfrm>
+            <a:off x="561975" y="4076611"/>
+            <a:ext cx="10337670" cy="2215991"/>
+          </a:xfrm>
+          <a:prstGeom prst="rect">
+            <a:avLst/>
+          </a:prstGeom>
+        </p:spPr>
+        <p:txBody>
+          <a:bodyPr wrap="square">
+            <a:spAutoFit/>
+          </a:bodyPr>
+          <a:lstStyle/>
+          <a:p>
+            <a:r>
+              <a:rPr lang="en-IN" sz="2400" dirty="0"/>
+              <a:t>The preamble line</a:t>
+            </a:r>
+          </a:p>
+          <a:p>
+            <a:endParaRPr lang="en-IN" sz="2400" dirty="0"/>
+          </a:p>
+          <a:p>
+            <a:r>
+              <a:rPr lang="en-IN" sz="2400" dirty="0" smtClean="0"/>
+              <a:t>\</a:t>
+            </a:r>
+            <a:r>
+              <a:rPr lang="en-IN" sz="2400" dirty="0" err="1"/>
+              <a:t>usepackage</a:t>
+            </a:r>
+            <a:r>
+              <a:rPr lang="en-IN" sz="2400" dirty="0"/>
+              <a:t>{</a:t>
+            </a:r>
+            <a:r>
+              <a:rPr lang="en-IN" sz="2400" dirty="0" err="1"/>
+              <a:t>graphicx</a:t>
+            </a:r>
+            <a:r>
+              <a:rPr lang="en-IN" sz="2400" dirty="0" smtClean="0"/>
+              <a:t>}</a:t>
+            </a:r>
+          </a:p>
+          <a:p>
+            <a:endParaRPr lang="en-US" dirty="0"/>
+          </a:p>
+          <a:p>
+            <a:r>
+              <a:rPr lang="en-US" sz="2400" dirty="0"/>
+              <a:t>is an example of loading an external package (here, </a:t>
+            </a:r>
+            <a:r>
+              <a:rPr lang="en-US" sz="2400" dirty="0" err="1"/>
+              <a:t>graphicx</a:t>
+            </a:r>
+            <a:r>
+              <a:rPr lang="en-US" sz="2400" dirty="0"/>
+              <a:t>) to extend </a:t>
+            </a:r>
+            <a:r>
+              <a:rPr lang="en-US" sz="2400" dirty="0" err="1"/>
+              <a:t>LaTeX’s</a:t>
+            </a:r>
+            <a:r>
+              <a:rPr lang="en-US" sz="2400" dirty="0"/>
+              <a:t> capabilities, enabling it to import external graphics files</a:t>
+            </a:r>
+            <a:endParaRPr lang="en-IN" sz="2400" dirty="0"/>
+          </a:p>
+        </p:txBody>
+      </p:sp>
     </p:spTree>
     <p:extLst>
       <p:ext uri="{BB962C8B-B14F-4D97-AF65-F5344CB8AC3E}">
-        <p14:creationId xmlns:p14="http://schemas.microsoft.com/office/powerpoint/2010/main" val="3800997776"/>
+        <p14:creationId xmlns:p14="http://schemas.microsoft.com/office/powerpoint/2010/main" val="2748660763"/>
       </p:ext>
     </p:extLst>
   </p:cSld>
   <p:clrMapOvr>
     <a:masterClrMapping/>
   </p:clrMapOvr>
+  <p:timing>
+    <p:tnLst>
+      <p:par>
+        <p:cTn id="1" dur="indefinite" restart="never" nodeType="tmRoot"/>
+      </p:par>
+    </p:tnLst>
+  </p:timing>
 </p:sld>
 </file>
 
@@ -5483,14 +5732,14 @@
       </p:grpSpPr>
       <p:sp>
         <p:nvSpPr>
-          <p:cNvPr id="3" name="Rectangle 2"/>
+          <p:cNvPr id="4" name="Rectangle 3"/>
           <p:cNvSpPr/>
           <p:nvPr/>
         </p:nvSpPr>
         <p:spPr>
           <a:xfrm>
-            <a:off x="657224" y="1356836"/>
-            <a:ext cx="8467725" cy="2308324"/>
+            <a:off x="3416430" y="228600"/>
+            <a:ext cx="6118095" cy="584775"/>
           </a:xfrm>
           <a:prstGeom prst="rect">
             <a:avLst/>
@@ -5502,137 +5751,37 @@
           </a:bodyPr>
           <a:lstStyle/>
           <a:p>
-            <a:pPr>
-              <a:lnSpc>
-                <a:spcPct val="150000"/>
-              </a:lnSpc>
-            </a:pPr>
-            <a:r>
-              <a:rPr lang="en-IN" sz="2400" dirty="0">
-                <a:latin typeface="Times New Roman" panose="02020603050405020304" pitchFamily="18" charset="0"/>
-                <a:cs typeface="Times New Roman" panose="02020603050405020304" pitchFamily="18" charset="0"/>
-              </a:rPr>
-              <a:t>\</a:t>
-            </a:r>
-            <a:r>
-              <a:rPr lang="en-IN" sz="2400" dirty="0" err="1">
-                <a:latin typeface="Times New Roman" panose="02020603050405020304" pitchFamily="18" charset="0"/>
-                <a:cs typeface="Times New Roman" panose="02020603050405020304" pitchFamily="18" charset="0"/>
-              </a:rPr>
-              <a:t>documentclass</a:t>
-            </a:r>
-            <a:r>
-              <a:rPr lang="en-IN" sz="2400" dirty="0">
-                <a:latin typeface="Times New Roman" panose="02020603050405020304" pitchFamily="18" charset="0"/>
-                <a:cs typeface="Times New Roman" panose="02020603050405020304" pitchFamily="18" charset="0"/>
-              </a:rPr>
-              <a:t>[12pt, </a:t>
-            </a:r>
-            <a:r>
-              <a:rPr lang="en-IN" sz="2400" dirty="0" err="1">
-                <a:latin typeface="Times New Roman" panose="02020603050405020304" pitchFamily="18" charset="0"/>
-                <a:cs typeface="Times New Roman" panose="02020603050405020304" pitchFamily="18" charset="0"/>
-              </a:rPr>
-              <a:t>letterpaper</a:t>
-            </a:r>
-            <a:r>
-              <a:rPr lang="en-IN" sz="2400" dirty="0">
-                <a:latin typeface="Times New Roman" panose="02020603050405020304" pitchFamily="18" charset="0"/>
-                <a:cs typeface="Times New Roman" panose="02020603050405020304" pitchFamily="18" charset="0"/>
-              </a:rPr>
-              <a:t>]{article}</a:t>
-            </a:r>
-          </a:p>
-          <a:p>
-            <a:pPr>
-              <a:lnSpc>
-                <a:spcPct val="150000"/>
-              </a:lnSpc>
-            </a:pPr>
-            <a:r>
-              <a:rPr lang="en-IN" sz="2400" dirty="0">
-                <a:latin typeface="Times New Roman" panose="02020603050405020304" pitchFamily="18" charset="0"/>
-                <a:cs typeface="Times New Roman" panose="02020603050405020304" pitchFamily="18" charset="0"/>
-              </a:rPr>
-              <a:t>\title{My first </a:t>
-            </a:r>
-            <a:r>
-              <a:rPr lang="en-IN" sz="2400" dirty="0" err="1">
-                <a:latin typeface="Times New Roman" panose="02020603050405020304" pitchFamily="18" charset="0"/>
-                <a:cs typeface="Times New Roman" panose="02020603050405020304" pitchFamily="18" charset="0"/>
-              </a:rPr>
-              <a:t>LaTeX</a:t>
-            </a:r>
-            <a:r>
-              <a:rPr lang="en-IN" sz="2400" dirty="0">
-                <a:latin typeface="Times New Roman" panose="02020603050405020304" pitchFamily="18" charset="0"/>
-                <a:cs typeface="Times New Roman" panose="02020603050405020304" pitchFamily="18" charset="0"/>
-              </a:rPr>
-              <a:t> document}</a:t>
-            </a:r>
-          </a:p>
-          <a:p>
-            <a:pPr>
-              <a:lnSpc>
-                <a:spcPct val="150000"/>
-              </a:lnSpc>
-            </a:pPr>
-            <a:r>
-              <a:rPr lang="en-IN" sz="2400" dirty="0">
-                <a:latin typeface="Times New Roman" panose="02020603050405020304" pitchFamily="18" charset="0"/>
-                <a:cs typeface="Times New Roman" panose="02020603050405020304" pitchFamily="18" charset="0"/>
-              </a:rPr>
-              <a:t>\author{Hubert </a:t>
-            </a:r>
-            <a:r>
-              <a:rPr lang="en-IN" sz="2400" dirty="0" smtClean="0">
-                <a:latin typeface="Times New Roman" panose="02020603050405020304" pitchFamily="18" charset="0"/>
-                <a:cs typeface="Times New Roman" panose="02020603050405020304" pitchFamily="18" charset="0"/>
-              </a:rPr>
-              <a:t>Farnsworth\thanks{ICAR-IISR.}}</a:t>
-            </a:r>
-            <a:endParaRPr lang="en-IN" sz="2400" dirty="0">
-              <a:latin typeface="Times New Roman" panose="02020603050405020304" pitchFamily="18" charset="0"/>
-              <a:cs typeface="Times New Roman" panose="02020603050405020304" pitchFamily="18" charset="0"/>
+            <a:pPr algn="just"/>
+            <a:r>
+              <a:rPr lang="en-US" sz="3200" b="1" i="0" dirty="0" smtClean="0">
+                <a:solidFill>
+                  <a:srgbClr val="333333"/>
+                </a:solidFill>
+                <a:effectLst/>
+                <a:latin typeface="Inter-Regular"/>
+              </a:rPr>
+              <a:t>Explanation about Formatting </a:t>
+            </a:r>
+            <a:endParaRPr lang="en-US" sz="3200" b="0" i="0" dirty="0" smtClean="0">
+              <a:solidFill>
+                <a:srgbClr val="333333"/>
+              </a:solidFill>
+              <a:effectLst/>
+              <a:latin typeface="Inter-Regular"/>
             </a:endParaRPr>
           </a:p>
-          <a:p>
-            <a:pPr>
-              <a:lnSpc>
-                <a:spcPct val="150000"/>
-              </a:lnSpc>
-            </a:pPr>
-            <a:r>
-              <a:rPr lang="en-IN" sz="2400" dirty="0">
-                <a:latin typeface="Times New Roman" panose="02020603050405020304" pitchFamily="18" charset="0"/>
-                <a:cs typeface="Times New Roman" panose="02020603050405020304" pitchFamily="18" charset="0"/>
-              </a:rPr>
-              <a:t>\date{August </a:t>
-            </a:r>
-            <a:r>
-              <a:rPr lang="en-IN" sz="2400" dirty="0" smtClean="0">
-                <a:latin typeface="Times New Roman" panose="02020603050405020304" pitchFamily="18" charset="0"/>
-                <a:cs typeface="Times New Roman" panose="02020603050405020304" pitchFamily="18" charset="0"/>
-              </a:rPr>
-              <a:t>2024}</a:t>
-            </a:r>
-            <a:endParaRPr lang="en-IN" sz="2400" dirty="0">
-              <a:latin typeface="Times New Roman" panose="02020603050405020304" pitchFamily="18" charset="0"/>
-              <a:cs typeface="Times New Roman" panose="02020603050405020304" pitchFamily="18" charset="0"/>
-            </a:endParaRPr>
-          </a:p>
-        </p:txBody>
-      </p:sp>
-      <p:sp>
-        <p:nvSpPr>
-          <p:cNvPr id="5" name="Rectangle 4"/>
+        </p:txBody>
+      </p:sp>
+      <p:sp>
+        <p:nvSpPr>
+          <p:cNvPr id="2" name="Rectangle 1"/>
           <p:cNvSpPr/>
           <p:nvPr/>
         </p:nvSpPr>
         <p:spPr>
           <a:xfrm>
-            <a:off x="419099" y="324535"/>
-            <a:ext cx="10868025" cy="461665"/>
+            <a:off x="561974" y="1206490"/>
+            <a:ext cx="11249025" cy="3416320"/>
           </a:xfrm>
           <a:prstGeom prst="rect">
             <a:avLst/>
@@ -5644,39 +5793,231 @@
           </a:bodyPr>
           <a:lstStyle/>
           <a:p>
-            <a:r>
-              <a:rPr lang="en-US" sz="2400" b="1" dirty="0">
+            <a:pPr algn="just">
+              <a:buFont typeface="Arial" panose="020B0604020202020204" pitchFamily="34" charset="0"/>
+              <a:buChar char="•"/>
+            </a:pPr>
+            <a:r>
+              <a:rPr lang="en-US" b="1" i="0" dirty="0" smtClean="0">
                 <a:solidFill>
-                  <a:srgbClr val="495365"/>
+                  <a:srgbClr val="333333"/>
                 </a:solidFill>
-                <a:latin typeface="Times New Roman" panose="02020603050405020304" pitchFamily="18" charset="0"/>
-                <a:cs typeface="Times New Roman" panose="02020603050405020304" pitchFamily="18" charset="0"/>
-              </a:rPr>
-              <a:t>With these lines added, </a:t>
-            </a:r>
-            <a:r>
-              <a:rPr lang="en-US" sz="2400" b="1" dirty="0" smtClean="0">
+                <a:effectLst/>
+                <a:latin typeface="Inter-Regular"/>
+              </a:rPr>
+              <a:t>\</a:t>
+            </a:r>
+            <a:r>
+              <a:rPr lang="en-US" b="0" i="0" dirty="0" smtClean="0">
                 <a:solidFill>
-                  <a:srgbClr val="495365"/>
+                  <a:srgbClr val="333333"/>
                 </a:solidFill>
-                <a:latin typeface="Times New Roman" panose="02020603050405020304" pitchFamily="18" charset="0"/>
-                <a:cs typeface="Times New Roman" panose="02020603050405020304" pitchFamily="18" charset="0"/>
-              </a:rPr>
-              <a:t>our </a:t>
-            </a:r>
-            <a:r>
-              <a:rPr lang="en-US" sz="2400" b="1" dirty="0">
+                <a:effectLst/>
+                <a:latin typeface="Inter-Regular"/>
+              </a:rPr>
+              <a:t> it is called backslash, used as the starting command. The line following it gets printed.</a:t>
+            </a:r>
+          </a:p>
+          <a:p>
+            <a:pPr algn="just">
+              <a:buFont typeface="Arial" panose="020B0604020202020204" pitchFamily="34" charset="0"/>
+              <a:buChar char="•"/>
+            </a:pPr>
+            <a:endParaRPr lang="en-US" b="0" i="0" dirty="0" smtClean="0">
+              <a:solidFill>
+                <a:srgbClr val="333333"/>
+              </a:solidFill>
+              <a:effectLst/>
+              <a:latin typeface="Inter-Regular"/>
+            </a:endParaRPr>
+          </a:p>
+          <a:p>
+            <a:pPr algn="just">
+              <a:buFont typeface="Arial" panose="020B0604020202020204" pitchFamily="34" charset="0"/>
+              <a:buChar char="•"/>
+            </a:pPr>
+            <a:r>
+              <a:rPr lang="en-US" b="1" i="0" dirty="0" smtClean="0">
                 <a:solidFill>
-                  <a:srgbClr val="495365"/>
+                  <a:srgbClr val="333333"/>
                 </a:solidFill>
-                <a:latin typeface="Times New Roman" panose="02020603050405020304" pitchFamily="18" charset="0"/>
-                <a:cs typeface="Times New Roman" panose="02020603050405020304" pitchFamily="18" charset="0"/>
-              </a:rPr>
-              <a:t>preamble should look something like this:</a:t>
-            </a:r>
-            <a:endParaRPr lang="en-IN" sz="2400" b="1" dirty="0">
-              <a:latin typeface="Times New Roman" panose="02020603050405020304" pitchFamily="18" charset="0"/>
-              <a:cs typeface="Times New Roman" panose="02020603050405020304" pitchFamily="18" charset="0"/>
+                <a:effectLst/>
+                <a:latin typeface="Inter-Regular"/>
+              </a:rPr>
+              <a:t>{}</a:t>
+            </a:r>
+            <a:r>
+              <a:rPr lang="en-US" b="0" i="0" dirty="0" smtClean="0">
+                <a:solidFill>
+                  <a:srgbClr val="333333"/>
+                </a:solidFill>
+                <a:effectLst/>
+                <a:latin typeface="Inter-Regular"/>
+              </a:rPr>
+              <a:t> it is called curly brackets, which is used to group and separate commands from its surroundings and must appear in pairs.</a:t>
+            </a:r>
+          </a:p>
+          <a:p>
+            <a:pPr algn="just">
+              <a:buFont typeface="Arial" panose="020B0604020202020204" pitchFamily="34" charset="0"/>
+              <a:buChar char="•"/>
+            </a:pPr>
+            <a:endParaRPr lang="en-US" b="0" i="0" dirty="0" smtClean="0">
+              <a:solidFill>
+                <a:srgbClr val="333333"/>
+              </a:solidFill>
+              <a:effectLst/>
+              <a:latin typeface="Inter-Regular"/>
+            </a:endParaRPr>
+          </a:p>
+          <a:p>
+            <a:pPr algn="just">
+              <a:buFont typeface="Arial" panose="020B0604020202020204" pitchFamily="34" charset="0"/>
+              <a:buChar char="•"/>
+            </a:pPr>
+            <a:r>
+              <a:rPr lang="en-US" b="1" i="0" dirty="0" smtClean="0">
+                <a:solidFill>
+                  <a:srgbClr val="333333"/>
+                </a:solidFill>
+                <a:effectLst/>
+                <a:latin typeface="Inter-Regular"/>
+              </a:rPr>
+              <a:t>\\</a:t>
+            </a:r>
+            <a:r>
+              <a:rPr lang="en-US" b="0" i="0" dirty="0" smtClean="0">
+                <a:solidFill>
+                  <a:srgbClr val="333333"/>
+                </a:solidFill>
+                <a:effectLst/>
+                <a:latin typeface="Inter-Regular"/>
+              </a:rPr>
+              <a:t> terminates a line.</a:t>
+            </a:r>
+          </a:p>
+          <a:p>
+            <a:pPr algn="just">
+              <a:buFont typeface="Arial" panose="020B0604020202020204" pitchFamily="34" charset="0"/>
+              <a:buChar char="•"/>
+            </a:pPr>
+            <a:endParaRPr lang="en-US" b="0" i="0" dirty="0" smtClean="0">
+              <a:solidFill>
+                <a:srgbClr val="333333"/>
+              </a:solidFill>
+              <a:effectLst/>
+              <a:latin typeface="Inter-Regular"/>
+            </a:endParaRPr>
+          </a:p>
+          <a:p>
+            <a:pPr algn="just">
+              <a:buFont typeface="Arial" panose="020B0604020202020204" pitchFamily="34" charset="0"/>
+              <a:buChar char="•"/>
+            </a:pPr>
+            <a:r>
+              <a:rPr lang="en-US" b="1" i="0" dirty="0" smtClean="0">
+                <a:solidFill>
+                  <a:srgbClr val="333333"/>
+                </a:solidFill>
+                <a:effectLst/>
+                <a:latin typeface="Inter-Regular"/>
+              </a:rPr>
+              <a:t>\\*</a:t>
+            </a:r>
+            <a:r>
+              <a:rPr lang="en-US" b="0" i="0" dirty="0" smtClean="0">
+                <a:solidFill>
+                  <a:srgbClr val="333333"/>
+                </a:solidFill>
+                <a:effectLst/>
+                <a:latin typeface="Inter-Regular"/>
+              </a:rPr>
+              <a:t> it also terminates the line, but disallows the page break.</a:t>
+            </a:r>
+          </a:p>
+          <a:p>
+            <a:pPr algn="just">
+              <a:buFont typeface="Arial" panose="020B0604020202020204" pitchFamily="34" charset="0"/>
+              <a:buChar char="•"/>
+            </a:pPr>
+            <a:endParaRPr lang="en-US" b="0" i="0" dirty="0" smtClean="0">
+              <a:solidFill>
+                <a:srgbClr val="333333"/>
+              </a:solidFill>
+              <a:effectLst/>
+              <a:latin typeface="Inter-Regular"/>
+            </a:endParaRPr>
+          </a:p>
+          <a:p>
+            <a:pPr algn="just">
+              <a:buFont typeface="Arial" panose="020B0604020202020204" pitchFamily="34" charset="0"/>
+              <a:buChar char="•"/>
+            </a:pPr>
+            <a:r>
+              <a:rPr lang="en-US" b="1" i="0" dirty="0" smtClean="0">
+                <a:solidFill>
+                  <a:srgbClr val="333333"/>
+                </a:solidFill>
+                <a:effectLst/>
+                <a:latin typeface="Inter-Regular"/>
+              </a:rPr>
+              <a:t>[]</a:t>
+            </a:r>
+            <a:r>
+              <a:rPr lang="en-US" b="0" i="0" dirty="0" smtClean="0">
+                <a:solidFill>
+                  <a:srgbClr val="333333"/>
+                </a:solidFill>
+                <a:effectLst/>
+                <a:latin typeface="Inter-Regular"/>
+              </a:rPr>
+              <a:t> it is used to write the optional parameters that can be passed to a command to change its behavior.</a:t>
+            </a:r>
+          </a:p>
+          <a:p>
+            <a:pPr algn="just">
+              <a:buFont typeface="Arial" panose="020B0604020202020204" pitchFamily="34" charset="0"/>
+              <a:buChar char="•"/>
+            </a:pPr>
+            <a:endParaRPr lang="en-US" b="0" i="0" dirty="0" smtClean="0">
+              <a:solidFill>
+                <a:srgbClr val="333333"/>
+              </a:solidFill>
+              <a:effectLst/>
+              <a:latin typeface="Inter-Regular"/>
+            </a:endParaRPr>
+          </a:p>
+          <a:p>
+            <a:pPr algn="just">
+              <a:buFont typeface="Arial" panose="020B0604020202020204" pitchFamily="34" charset="0"/>
+              <a:buChar char="•"/>
+            </a:pPr>
+            <a:r>
+              <a:rPr lang="en-US" b="1" i="0" dirty="0" smtClean="0">
+                <a:solidFill>
+                  <a:srgbClr val="333333"/>
+                </a:solidFill>
+                <a:effectLst/>
+                <a:latin typeface="Inter-Regular"/>
+              </a:rPr>
+              <a:t>%</a:t>
+            </a:r>
+            <a:r>
+              <a:rPr lang="en-US" b="0" i="0" dirty="0" smtClean="0">
+                <a:solidFill>
+                  <a:srgbClr val="333333"/>
+                </a:solidFill>
+                <a:effectLst/>
+                <a:latin typeface="Inter-Regular"/>
+              </a:rPr>
+              <a:t> the Latex ignores the rest of the line or commands after %.</a:t>
+            </a:r>
+            <a:endParaRPr lang="en-US" b="0" i="0" dirty="0">
+              <a:solidFill>
+                <a:srgbClr val="333333"/>
+              </a:solidFill>
+              <a:effectLst/>
+              <a:latin typeface="Inter-Regular"/>
             </a:endParaRPr>
           </a:p>
         </p:txBody>
@@ -5684,13 +6025,20 @@
     </p:spTree>
     <p:extLst>
       <p:ext uri="{BB962C8B-B14F-4D97-AF65-F5344CB8AC3E}">
-        <p14:creationId xmlns:p14="http://schemas.microsoft.com/office/powerpoint/2010/main" val="3955932425"/>
+        <p14:creationId xmlns:p14="http://schemas.microsoft.com/office/powerpoint/2010/main" val="1385353056"/>
       </p:ext>
     </p:extLst>
   </p:cSld>
   <p:clrMapOvr>
     <a:masterClrMapping/>
   </p:clrMapOvr>
+  <p:timing>
+    <p:tnLst>
+      <p:par>
+        <p:cTn id="1" dur="indefinite" restart="never" nodeType="tmRoot"/>
+      </p:par>
+    </p:tnLst>
+  </p:timing>
 </p:sld>
 </file>
 
